--- a/Lectures/generalslides.pptx
+++ b/Lectures/generalslides.pptx
@@ -8,14 +8,15 @@
     <p:sldMasterId id="2147483924" r:id="rId7"/>
   </p:sldMasterIdLst>
   <p:notesMasterIdLst>
-    <p:notesMasterId r:id="rId10"/>
+    <p:notesMasterId r:id="rId11"/>
   </p:notesMasterIdLst>
   <p:handoutMasterIdLst>
-    <p:handoutMasterId r:id="rId11"/>
+    <p:handoutMasterId r:id="rId12"/>
   </p:handoutMasterIdLst>
   <p:sldIdLst>
     <p:sldId id="262" r:id="rId8"/>
     <p:sldId id="263" r:id="rId9"/>
+    <p:sldId id="264" r:id="rId10"/>
   </p:sldIdLst>
   <p:sldSz cx="9144000" cy="5143500" type="screen16x9"/>
   <p:notesSz cx="7315200" cy="9601200"/>
@@ -151,6 +152,7 @@
           <p14:sldIdLst>
             <p14:sldId id="262"/>
             <p14:sldId id="263"/>
+            <p14:sldId id="264"/>
           </p14:sldIdLst>
         </p14:section>
         <p14:section name="Backup" id="{DEBBD39D-1CE4-B04E-B505-EBC9CF555587}">
@@ -13790,6 +13792,371 @@
     <p:extLst>
       <p:ext uri="{BB962C8B-B14F-4D97-AF65-F5344CB8AC3E}">
         <p14:creationId xmlns:p14="http://schemas.microsoft.com/office/powerpoint/2010/main" val="38632102"/>
+      </p:ext>
+    </p:extLst>
+  </p:cSld>
+  <p:clrMapOvr>
+    <a:masterClrMapping/>
+  </p:clrMapOvr>
+  <p:transition spd="med">
+    <p:wipe dir="r"/>
+  </p:transition>
+</p:sld>
+</file>
+
+<file path=ppt/slides/slide3.xml><?xml version="1.0" encoding="utf-8"?>
+<p:sld xmlns:a="http://schemas.openxmlformats.org/drawingml/2006/main" xmlns:r="http://schemas.openxmlformats.org/officeDocument/2006/relationships" xmlns:p="http://schemas.openxmlformats.org/presentationml/2006/main">
+  <p:cSld>
+    <p:spTree>
+      <p:nvGrpSpPr>
+        <p:cNvPr id="1" name=""/>
+        <p:cNvGrpSpPr/>
+        <p:nvPr/>
+      </p:nvGrpSpPr>
+      <p:grpSpPr>
+        <a:xfrm>
+          <a:off x="0" y="0"/>
+          <a:ext cx="0" cy="0"/>
+          <a:chOff x="0" y="0"/>
+          <a:chExt cx="0" cy="0"/>
+        </a:xfrm>
+      </p:grpSpPr>
+      <p:sp>
+        <p:nvSpPr>
+          <p:cNvPr id="3" name="Rectangle 2"/>
+          <p:cNvSpPr/>
+          <p:nvPr/>
+        </p:nvSpPr>
+        <p:spPr>
+          <a:xfrm>
+            <a:off x="4978398" y="660489"/>
+            <a:ext cx="3643086" cy="1754326"/>
+          </a:xfrm>
+          <a:prstGeom prst="rect">
+            <a:avLst/>
+          </a:prstGeom>
+        </p:spPr>
+        <p:txBody>
+          <a:bodyPr wrap="square">
+            <a:spAutoFit/>
+          </a:bodyPr>
+          <a:lstStyle/>
+          <a:p>
+            <a:r>
+              <a:rPr lang="en-US" sz="1800" b="1" dirty="0" smtClean="0">
+                <a:solidFill>
+                  <a:srgbClr val="000080"/>
+                </a:solidFill>
+              </a:rPr>
+              <a:t>SELECT</a:t>
+            </a:r>
+          </a:p>
+          <a:p>
+            <a:r>
+              <a:rPr lang="en-US" sz="1800" dirty="0" smtClean="0"/>
+              <a:t>	</a:t>
+            </a:r>
+            <a:r>
+              <a:rPr lang="en-US" sz="1800" dirty="0" err="1" smtClean="0"/>
+              <a:t>nameLast</a:t>
+            </a:r>
+            <a:r>
+              <a:rPr lang="en-US" sz="1800" dirty="0"/>
+              <a:t>, </a:t>
+            </a:r>
+            <a:r>
+              <a:rPr lang="en-US" sz="1800" dirty="0" err="1" smtClean="0"/>
+              <a:t>nameFirst</a:t>
+            </a:r>
+            <a:endParaRPr lang="en-US" sz="1800" dirty="0" smtClean="0"/>
+          </a:p>
+          <a:p>
+            <a:r>
+              <a:rPr lang="en-US" sz="1800" b="1" dirty="0" smtClean="0">
+                <a:solidFill>
+                  <a:srgbClr val="000080"/>
+                </a:solidFill>
+              </a:rPr>
+              <a:t>FROM</a:t>
+            </a:r>
+          </a:p>
+          <a:p>
+            <a:r>
+              <a:rPr lang="en-US" sz="1800" b="1" dirty="0">
+                <a:solidFill>
+                  <a:srgbClr val="000080"/>
+                </a:solidFill>
+              </a:rPr>
+              <a:t>	</a:t>
+            </a:r>
+            <a:r>
+              <a:rPr lang="en-US" sz="1800" dirty="0" smtClean="0"/>
+              <a:t>Master </a:t>
+            </a:r>
+          </a:p>
+          <a:p>
+            <a:r>
+              <a:rPr lang="en-US" sz="1800" b="1" dirty="0" smtClean="0">
+                <a:solidFill>
+                  <a:srgbClr val="000080"/>
+                </a:solidFill>
+              </a:rPr>
+              <a:t>WHERE</a:t>
+            </a:r>
+          </a:p>
+          <a:p>
+            <a:r>
+              <a:rPr lang="en-US" sz="1800" b="1" dirty="0">
+                <a:solidFill>
+                  <a:srgbClr val="000080"/>
+                </a:solidFill>
+              </a:rPr>
+              <a:t>	</a:t>
+            </a:r>
+            <a:r>
+              <a:rPr lang="en-US" sz="1800" dirty="0" err="1" smtClean="0"/>
+              <a:t>nameLast</a:t>
+            </a:r>
+            <a:r>
+              <a:rPr lang="en-US" sz="1800" dirty="0"/>
+              <a:t>=</a:t>
+            </a:r>
+            <a:r>
+              <a:rPr lang="en-US" sz="1800" b="1" dirty="0">
+                <a:solidFill>
+                  <a:srgbClr val="008000"/>
+                </a:solidFill>
+              </a:rPr>
+              <a:t>'Williams'</a:t>
+            </a:r>
+            <a:r>
+              <a:rPr lang="en-US" sz="1800" dirty="0"/>
+              <a:t>;</a:t>
+            </a:r>
+          </a:p>
+        </p:txBody>
+      </p:sp>
+      <p:pic>
+        <p:nvPicPr>
+          <p:cNvPr id="4" name="Picture 3"/>
+          <p:cNvPicPr>
+            <a:picLocks noChangeAspect="1"/>
+          </p:cNvPicPr>
+          <p:nvPr/>
+        </p:nvPicPr>
+        <p:blipFill>
+          <a:blip r:embed="rId2"/>
+          <a:stretch>
+            <a:fillRect/>
+          </a:stretch>
+        </p:blipFill>
+        <p:spPr>
+          <a:xfrm>
+            <a:off x="0" y="2414815"/>
+            <a:ext cx="3644900" cy="2209800"/>
+          </a:xfrm>
+          <a:prstGeom prst="rect">
+            <a:avLst/>
+          </a:prstGeom>
+        </p:spPr>
+      </p:pic>
+      <p:pic>
+        <p:nvPicPr>
+          <p:cNvPr id="5" name="Picture 4"/>
+          <p:cNvPicPr>
+            <a:picLocks noChangeAspect="1"/>
+          </p:cNvPicPr>
+          <p:nvPr/>
+        </p:nvPicPr>
+        <p:blipFill>
+          <a:blip r:embed="rId3"/>
+          <a:stretch>
+            <a:fillRect/>
+          </a:stretch>
+        </p:blipFill>
+        <p:spPr>
+          <a:xfrm>
+            <a:off x="5069115" y="2484665"/>
+            <a:ext cx="3048000" cy="2070100"/>
+          </a:xfrm>
+          <a:prstGeom prst="rect">
+            <a:avLst/>
+          </a:prstGeom>
+        </p:spPr>
+      </p:pic>
+      <p:sp>
+        <p:nvSpPr>
+          <p:cNvPr id="6" name="Rectangle 5"/>
+          <p:cNvSpPr/>
+          <p:nvPr/>
+        </p:nvSpPr>
+        <p:spPr>
+          <a:xfrm>
+            <a:off x="537029" y="660489"/>
+            <a:ext cx="3643086" cy="1754326"/>
+          </a:xfrm>
+          <a:prstGeom prst="rect">
+            <a:avLst/>
+          </a:prstGeom>
+        </p:spPr>
+        <p:txBody>
+          <a:bodyPr wrap="square">
+            <a:spAutoFit/>
+          </a:bodyPr>
+          <a:lstStyle/>
+          <a:p>
+            <a:r>
+              <a:rPr lang="en-US" sz="1800" b="1" dirty="0" smtClean="0">
+                <a:solidFill>
+                  <a:srgbClr val="000080"/>
+                </a:solidFill>
+              </a:rPr>
+              <a:t>SELECT</a:t>
+            </a:r>
+          </a:p>
+          <a:p>
+            <a:r>
+              <a:rPr lang="en-US" sz="1800" dirty="0" smtClean="0"/>
+              <a:t>	</a:t>
+            </a:r>
+            <a:r>
+              <a:rPr lang="en-US" sz="1800" dirty="0" err="1" smtClean="0"/>
+              <a:t>nameLast</a:t>
+            </a:r>
+            <a:r>
+              <a:rPr lang="en-US" sz="1800" dirty="0"/>
+              <a:t>, </a:t>
+            </a:r>
+            <a:r>
+              <a:rPr lang="en-US" sz="1800" dirty="0" err="1" smtClean="0"/>
+              <a:t>nameFirst</a:t>
+            </a:r>
+            <a:endParaRPr lang="en-US" sz="1800" dirty="0" smtClean="0"/>
+          </a:p>
+          <a:p>
+            <a:r>
+              <a:rPr lang="en-US" sz="1800" b="1" dirty="0" smtClean="0">
+                <a:solidFill>
+                  <a:srgbClr val="000080"/>
+                </a:solidFill>
+              </a:rPr>
+              <a:t>FROM</a:t>
+            </a:r>
+          </a:p>
+          <a:p>
+            <a:r>
+              <a:rPr lang="en-US" sz="1800" b="1" dirty="0">
+                <a:solidFill>
+                  <a:srgbClr val="000080"/>
+                </a:solidFill>
+              </a:rPr>
+              <a:t>	</a:t>
+            </a:r>
+            <a:r>
+              <a:rPr lang="en-US" sz="1800" dirty="0" smtClean="0"/>
+              <a:t>Master </a:t>
+            </a:r>
+          </a:p>
+          <a:p>
+            <a:r>
+              <a:rPr lang="en-US" sz="1800" b="1" dirty="0" smtClean="0">
+                <a:solidFill>
+                  <a:srgbClr val="000080"/>
+                </a:solidFill>
+              </a:rPr>
+              <a:t>WHERE</a:t>
+            </a:r>
+          </a:p>
+          <a:p>
+            <a:r>
+              <a:rPr lang="en-US" sz="1800" b="1" dirty="0">
+                <a:solidFill>
+                  <a:srgbClr val="000080"/>
+                </a:solidFill>
+              </a:rPr>
+              <a:t>	</a:t>
+            </a:r>
+            <a:r>
+              <a:rPr lang="en-US" sz="1800" dirty="0" err="1" smtClean="0"/>
+              <a:t>nameLast</a:t>
+            </a:r>
+            <a:r>
+              <a:rPr lang="en-US" sz="1800" dirty="0"/>
+              <a:t>=</a:t>
+            </a:r>
+            <a:r>
+              <a:rPr lang="en-US" sz="1800" b="1" dirty="0">
+                <a:solidFill>
+                  <a:srgbClr val="008000"/>
+                </a:solidFill>
+              </a:rPr>
+              <a:t>'Williams'</a:t>
+            </a:r>
+            <a:r>
+              <a:rPr lang="en-US" sz="1800" dirty="0"/>
+              <a:t>;</a:t>
+            </a:r>
+          </a:p>
+        </p:txBody>
+      </p:sp>
+      <p:sp>
+        <p:nvSpPr>
+          <p:cNvPr id="7" name="TextBox 6"/>
+          <p:cNvSpPr txBox="1"/>
+          <p:nvPr/>
+        </p:nvSpPr>
+        <p:spPr>
+          <a:xfrm>
+            <a:off x="834573" y="94344"/>
+            <a:ext cx="8135256" cy="490853"/>
+          </a:xfrm>
+          <a:prstGeom prst="rect">
+            <a:avLst/>
+          </a:prstGeom>
+          <a:noFill/>
+        </p:spPr>
+        <p:txBody>
+          <a:bodyPr wrap="none" rtlCol="0">
+            <a:noAutofit/>
+          </a:bodyPr>
+          <a:lstStyle/>
+          <a:p>
+            <a:pPr>
+              <a:lnSpc>
+                <a:spcPct val="90000"/>
+              </a:lnSpc>
+              <a:spcBef>
+                <a:spcPts val="600"/>
+              </a:spcBef>
+              <a:spcAft>
+                <a:spcPts val="0"/>
+              </a:spcAft>
+              <a:buClr>
+                <a:schemeClr val="bg1"/>
+              </a:buClr>
+            </a:pPr>
+            <a:r>
+              <a:rPr lang="en-US" sz="2000" dirty="0" smtClean="0">
+                <a:latin typeface="+mn-lt"/>
+              </a:rPr>
+              <a:t>The query that uses an index is 50x more efficient </a:t>
+            </a:r>
+            <a:r>
+              <a:rPr lang="en-US" sz="2000" smtClean="0">
+                <a:latin typeface="+mn-lt"/>
+              </a:rPr>
+              <a:t>in this example.</a:t>
+            </a:r>
+            <a:endParaRPr lang="en-US" sz="2000" dirty="0" err="1" smtClean="0">
+              <a:latin typeface="+mn-lt"/>
+            </a:endParaRPr>
+          </a:p>
+        </p:txBody>
+      </p:sp>
+    </p:spTree>
+    <p:extLst>
+      <p:ext uri="{BB962C8B-B14F-4D97-AF65-F5344CB8AC3E}">
+        <p14:creationId xmlns:p14="http://schemas.microsoft.com/office/powerpoint/2010/main" val="2516769"/>
       </p:ext>
     </p:extLst>
   </p:cSld>

--- a/Lectures/generalslides.pptx
+++ b/Lectures/generalslides.pptx
@@ -8,15 +8,16 @@
     <p:sldMasterId id="2147483924" r:id="rId7"/>
   </p:sldMasterIdLst>
   <p:notesMasterIdLst>
-    <p:notesMasterId r:id="rId11"/>
+    <p:notesMasterId r:id="rId12"/>
   </p:notesMasterIdLst>
   <p:handoutMasterIdLst>
-    <p:handoutMasterId r:id="rId12"/>
+    <p:handoutMasterId r:id="rId13"/>
   </p:handoutMasterIdLst>
   <p:sldIdLst>
     <p:sldId id="262" r:id="rId8"/>
     <p:sldId id="263" r:id="rId9"/>
     <p:sldId id="264" r:id="rId10"/>
+    <p:sldId id="265" r:id="rId11"/>
   </p:sldIdLst>
   <p:sldSz cx="9144000" cy="5143500" type="screen16x9"/>
   <p:notesSz cx="7315200" cy="9601200"/>
@@ -153,6 +154,7 @@
             <p14:sldId id="262"/>
             <p14:sldId id="263"/>
             <p14:sldId id="264"/>
+            <p14:sldId id="265"/>
           </p14:sldIdLst>
         </p14:section>
         <p14:section name="Backup" id="{DEBBD39D-1CE4-B04E-B505-EBC9CF555587}">
@@ -9647,7 +9649,7 @@
                   <a:schemeClr val="bg1"/>
                 </a:buClr>
               </a:pPr>
-              <a:t>1/13/18</a:t>
+              <a:t>1/22/18</a:t>
             </a:fld>
             <a:endParaRPr lang="en-US" sz="800" dirty="0" smtClean="0">
               <a:solidFill>
@@ -10472,7 +10474,7 @@
                   <a:schemeClr val="bg1"/>
                 </a:buClr>
               </a:pPr>
-              <a:t>1/13/18</a:t>
+              <a:t>1/22/18</a:t>
             </a:fld>
             <a:endParaRPr lang="en-US" sz="800" dirty="0" smtClean="0">
               <a:solidFill>
@@ -11480,7 +11482,7 @@
                   <a:srgbClr val="0085C3"/>
                 </a:buClr>
               </a:pPr>
-              <a:t>1/13/18</a:t>
+              <a:t>1/22/18</a:t>
             </a:fld>
             <a:endParaRPr lang="en-US" sz="900" dirty="0" smtClean="0">
               <a:solidFill>
@@ -11554,7 +11556,7 @@
                   <a:srgbClr val="0085C3"/>
                 </a:buClr>
               </a:pPr>
-              <a:t>1/13/18</a:t>
+              <a:t>1/22/18</a:t>
             </a:fld>
             <a:endParaRPr lang="en-US" sz="900" dirty="0" smtClean="0">
               <a:solidFill>
@@ -12510,7 +12512,7 @@
                   <a:srgbClr val="0085C3"/>
                 </a:buClr>
               </a:pPr>
-              <a:t>1/13/18</a:t>
+              <a:t>1/22/18</a:t>
             </a:fld>
             <a:endParaRPr lang="en-US" sz="800" dirty="0" smtClean="0">
               <a:solidFill>
@@ -13265,12 +13267,6 @@
               </a:rPr>
               <a:t>/players/&lt;value&gt;</a:t>
             </a:r>
-            <a:endParaRPr lang="en-US" sz="1400" dirty="0" smtClean="0">
-              <a:solidFill>
-                <a:schemeClr val="bg2"/>
-              </a:solidFill>
-              <a:latin typeface="+mn-lt"/>
-            </a:endParaRPr>
           </a:p>
         </p:txBody>
       </p:sp>
@@ -13372,12 +13368,6 @@
               </a:rPr>
               <a:t>/players?&lt;query&gt;</a:t>
             </a:r>
-            <a:endParaRPr lang="en-US" sz="1400" dirty="0" smtClean="0">
-              <a:solidFill>
-                <a:schemeClr val="bg2"/>
-              </a:solidFill>
-              <a:latin typeface="+mn-lt"/>
-            </a:endParaRPr>
           </a:p>
         </p:txBody>
       </p:sp>
@@ -13460,12 +13450,6 @@
               </a:rPr>
               <a:t>Resource</a:t>
             </a:r>
-            <a:endParaRPr lang="en-US" sz="1400" dirty="0" smtClean="0">
-              <a:solidFill>
-                <a:schemeClr val="bg2"/>
-              </a:solidFill>
-              <a:latin typeface="+mn-lt"/>
-            </a:endParaRPr>
           </a:p>
         </p:txBody>
       </p:sp>
@@ -13788,6 +13772,169 @@
           </a:fontRef>
         </p:style>
       </p:cxnSp>
+      <p:sp>
+        <p:nvSpPr>
+          <p:cNvPr id="2" name="Rectangle 1"/>
+          <p:cNvSpPr/>
+          <p:nvPr/>
+        </p:nvSpPr>
+        <p:spPr>
+          <a:xfrm>
+            <a:off x="6045604" y="1463040"/>
+            <a:ext cx="982213" cy="627017"/>
+          </a:xfrm>
+          <a:prstGeom prst="rect">
+            <a:avLst/>
+          </a:prstGeom>
+          <a:noFill/>
+          <a:ln w="57150">
+            <a:solidFill>
+              <a:srgbClr val="FF0000"/>
+            </a:solidFill>
+          </a:ln>
+          <a:effectLst/>
+        </p:spPr>
+        <p:txBody>
+          <a:bodyPr wrap="square" lIns="182880" tIns="137160" rIns="137160" bIns="137160" rtlCol="0" anchor="ctr">
+            <a:noAutofit/>
+          </a:bodyPr>
+          <a:lstStyle/>
+          <a:p>
+            <a:pPr algn="ctr">
+              <a:lnSpc>
+                <a:spcPct val="90000"/>
+              </a:lnSpc>
+              <a:spcBef>
+                <a:spcPts val="600"/>
+              </a:spcBef>
+              <a:spcAft>
+                <a:spcPts val="0"/>
+              </a:spcAft>
+            </a:pPr>
+            <a:endParaRPr lang="en-US" sz="2000" dirty="0" smtClean="0">
+              <a:solidFill>
+                <a:schemeClr val="tx2"/>
+              </a:solidFill>
+              <a:latin typeface="+mn-lt"/>
+            </a:endParaRPr>
+          </a:p>
+        </p:txBody>
+      </p:sp>
+      <p:sp>
+        <p:nvSpPr>
+          <p:cNvPr id="7" name="TextBox 6"/>
+          <p:cNvSpPr txBox="1"/>
+          <p:nvPr/>
+        </p:nvSpPr>
+        <p:spPr>
+          <a:xfrm>
+            <a:off x="4641669" y="1872343"/>
+            <a:ext cx="914400" cy="914400"/>
+          </a:xfrm>
+          <a:prstGeom prst="rect">
+            <a:avLst/>
+          </a:prstGeom>
+          <a:noFill/>
+        </p:spPr>
+        <p:txBody>
+          <a:bodyPr wrap="none" rtlCol="0">
+            <a:noAutofit/>
+          </a:bodyPr>
+          <a:lstStyle/>
+          <a:p>
+            <a:pPr algn="ctr">
+              <a:lnSpc>
+                <a:spcPct val="90000"/>
+              </a:lnSpc>
+              <a:spcBef>
+                <a:spcPts val="600"/>
+              </a:spcBef>
+              <a:spcAft>
+                <a:spcPts val="0"/>
+              </a:spcAft>
+              <a:buClr>
+                <a:schemeClr val="bg1"/>
+              </a:buClr>
+            </a:pPr>
+            <a:r>
+              <a:rPr lang="en-US" sz="1800" dirty="0" smtClean="0">
+                <a:solidFill>
+                  <a:srgbClr val="FF0000"/>
+                </a:solidFill>
+                <a:latin typeface="+mn-lt"/>
+              </a:rPr>
+              <a:t>Primary</a:t>
+            </a:r>
+          </a:p>
+          <a:p>
+            <a:pPr algn="ctr">
+              <a:lnSpc>
+                <a:spcPct val="90000"/>
+              </a:lnSpc>
+              <a:spcBef>
+                <a:spcPts val="600"/>
+              </a:spcBef>
+              <a:spcAft>
+                <a:spcPts val="0"/>
+              </a:spcAft>
+              <a:buClr>
+                <a:schemeClr val="bg1"/>
+              </a:buClr>
+            </a:pPr>
+            <a:r>
+              <a:rPr lang="en-US" sz="1800" dirty="0" smtClean="0">
+                <a:solidFill>
+                  <a:srgbClr val="FF0000"/>
+                </a:solidFill>
+                <a:latin typeface="+mn-lt"/>
+              </a:rPr>
+              <a:t>Focus</a:t>
+            </a:r>
+            <a:endParaRPr lang="en-US" sz="1800" dirty="0" smtClean="0">
+              <a:solidFill>
+                <a:srgbClr val="FF0000"/>
+              </a:solidFill>
+              <a:latin typeface="+mn-lt"/>
+            </a:endParaRPr>
+          </a:p>
+        </p:txBody>
+      </p:sp>
+      <p:cxnSp>
+        <p:nvCxnSpPr>
+          <p:cNvPr id="13" name="Straight Connector 12"/>
+          <p:cNvCxnSpPr/>
+          <p:nvPr/>
+        </p:nvCxnSpPr>
+        <p:spPr>
+          <a:xfrm flipV="1">
+            <a:off x="5573486" y="1786031"/>
+            <a:ext cx="381003" cy="366059"/>
+          </a:xfrm>
+          <a:prstGeom prst="line">
+            <a:avLst/>
+          </a:prstGeom>
+          <a:ln w="28575">
+            <a:solidFill>
+              <a:srgbClr val="FF0000"/>
+            </a:solidFill>
+            <a:prstDash val="sysDot"/>
+          </a:ln>
+        </p:spPr>
+        <p:style>
+          <a:lnRef idx="1">
+            <a:schemeClr val="accent1"/>
+          </a:lnRef>
+          <a:fillRef idx="0">
+            <a:schemeClr val="accent1"/>
+          </a:fillRef>
+          <a:effectRef idx="0">
+            <a:schemeClr val="accent1"/>
+          </a:effectRef>
+          <a:fontRef idx="minor">
+            <a:schemeClr val="tx1"/>
+          </a:fontRef>
+        </p:style>
+      </p:cxnSp>
     </p:spTree>
     <p:extLst>
       <p:ext uri="{BB962C8B-B14F-4D97-AF65-F5344CB8AC3E}">
@@ -14157,6 +14304,63 @@
     <p:extLst>
       <p:ext uri="{BB962C8B-B14F-4D97-AF65-F5344CB8AC3E}">
         <p14:creationId xmlns:p14="http://schemas.microsoft.com/office/powerpoint/2010/main" val="2516769"/>
+      </p:ext>
+    </p:extLst>
+  </p:cSld>
+  <p:clrMapOvr>
+    <a:masterClrMapping/>
+  </p:clrMapOvr>
+  <p:transition spd="med">
+    <p:wipe dir="r"/>
+  </p:transition>
+</p:sld>
+</file>
+
+<file path=ppt/slides/slide4.xml><?xml version="1.0" encoding="utf-8"?>
+<p:sld xmlns:a="http://schemas.openxmlformats.org/drawingml/2006/main" xmlns:r="http://schemas.openxmlformats.org/officeDocument/2006/relationships" xmlns:p="http://schemas.openxmlformats.org/presentationml/2006/main">
+  <p:cSld>
+    <p:spTree>
+      <p:nvGrpSpPr>
+        <p:cNvPr id="1" name=""/>
+        <p:cNvGrpSpPr/>
+        <p:nvPr/>
+      </p:nvGrpSpPr>
+      <p:grpSpPr>
+        <a:xfrm>
+          <a:off x="0" y="0"/>
+          <a:ext cx="0" cy="0"/>
+          <a:chOff x="0" y="0"/>
+          <a:chExt cx="0" cy="0"/>
+        </a:xfrm>
+      </p:grpSpPr>
+      <p:pic>
+        <p:nvPicPr>
+          <p:cNvPr id="2" name="Picture 1"/>
+          <p:cNvPicPr>
+            <a:picLocks noChangeAspect="1"/>
+          </p:cNvPicPr>
+          <p:nvPr/>
+        </p:nvPicPr>
+        <p:blipFill>
+          <a:blip r:embed="rId2"/>
+          <a:stretch>
+            <a:fillRect/>
+          </a:stretch>
+        </p:blipFill>
+        <p:spPr>
+          <a:xfrm>
+            <a:off x="935811" y="566057"/>
+            <a:ext cx="7276374" cy="3535359"/>
+          </a:xfrm>
+          <a:prstGeom prst="rect">
+            <a:avLst/>
+          </a:prstGeom>
+        </p:spPr>
+      </p:pic>
+    </p:spTree>
+    <p:extLst>
+      <p:ext uri="{BB962C8B-B14F-4D97-AF65-F5344CB8AC3E}">
+        <p14:creationId xmlns:p14="http://schemas.microsoft.com/office/powerpoint/2010/main" val="883008153"/>
       </p:ext>
     </p:extLst>
   </p:cSld>

--- a/Lectures/generalslides.pptx
+++ b/Lectures/generalslides.pptx
@@ -8,16 +8,18 @@
     <p:sldMasterId id="2147483924" r:id="rId7"/>
   </p:sldMasterIdLst>
   <p:notesMasterIdLst>
-    <p:notesMasterId r:id="rId12"/>
+    <p:notesMasterId r:id="rId14"/>
   </p:notesMasterIdLst>
   <p:handoutMasterIdLst>
-    <p:handoutMasterId r:id="rId13"/>
+    <p:handoutMasterId r:id="rId15"/>
   </p:handoutMasterIdLst>
   <p:sldIdLst>
     <p:sldId id="262" r:id="rId8"/>
     <p:sldId id="263" r:id="rId9"/>
     <p:sldId id="264" r:id="rId10"/>
     <p:sldId id="265" r:id="rId11"/>
+    <p:sldId id="266" r:id="rId12"/>
+    <p:sldId id="267" r:id="rId13"/>
   </p:sldIdLst>
   <p:sldSz cx="9144000" cy="5143500" type="screen16x9"/>
   <p:notesSz cx="7315200" cy="9601200"/>
@@ -155,6 +157,8 @@
             <p14:sldId id="263"/>
             <p14:sldId id="264"/>
             <p14:sldId id="265"/>
+            <p14:sldId id="266"/>
+            <p14:sldId id="267"/>
           </p14:sldIdLst>
         </p14:section>
         <p14:section name="Backup" id="{DEBBD39D-1CE4-B04E-B505-EBC9CF555587}">
@@ -9649,7 +9653,7 @@
                   <a:schemeClr val="bg1"/>
                 </a:buClr>
               </a:pPr>
-              <a:t>1/22/18</a:t>
+              <a:t>1/28/18</a:t>
             </a:fld>
             <a:endParaRPr lang="en-US" sz="800" dirty="0" smtClean="0">
               <a:solidFill>
@@ -10474,7 +10478,7 @@
                   <a:schemeClr val="bg1"/>
                 </a:buClr>
               </a:pPr>
-              <a:t>1/22/18</a:t>
+              <a:t>1/28/18</a:t>
             </a:fld>
             <a:endParaRPr lang="en-US" sz="800" dirty="0" smtClean="0">
               <a:solidFill>
@@ -11482,7 +11486,7 @@
                   <a:srgbClr val="0085C3"/>
                 </a:buClr>
               </a:pPr>
-              <a:t>1/22/18</a:t>
+              <a:t>1/28/18</a:t>
             </a:fld>
             <a:endParaRPr lang="en-US" sz="900" dirty="0" smtClean="0">
               <a:solidFill>
@@ -11556,7 +11560,7 @@
                   <a:srgbClr val="0085C3"/>
                 </a:buClr>
               </a:pPr>
-              <a:t>1/22/18</a:t>
+              <a:t>1/28/18</a:t>
             </a:fld>
             <a:endParaRPr lang="en-US" sz="900" dirty="0" smtClean="0">
               <a:solidFill>
@@ -12512,7 +12516,7 @@
                   <a:srgbClr val="0085C3"/>
                 </a:buClr>
               </a:pPr>
-              <a:t>1/22/18</a:t>
+              <a:t>1/28/18</a:t>
             </a:fld>
             <a:endParaRPr lang="en-US" sz="800" dirty="0" smtClean="0">
               <a:solidFill>
@@ -13890,12 +13894,6 @@
               </a:rPr>
               <a:t>Focus</a:t>
             </a:r>
-            <a:endParaRPr lang="en-US" sz="1800" dirty="0" smtClean="0">
-              <a:solidFill>
-                <a:srgbClr val="FF0000"/>
-              </a:solidFill>
-              <a:latin typeface="+mn-lt"/>
-            </a:endParaRPr>
           </a:p>
         </p:txBody>
       </p:sp>
@@ -14361,6 +14359,269 @@
     <p:extLst>
       <p:ext uri="{BB962C8B-B14F-4D97-AF65-F5344CB8AC3E}">
         <p14:creationId xmlns:p14="http://schemas.microsoft.com/office/powerpoint/2010/main" val="883008153"/>
+      </p:ext>
+    </p:extLst>
+  </p:cSld>
+  <p:clrMapOvr>
+    <a:masterClrMapping/>
+  </p:clrMapOvr>
+  <p:transition spd="med">
+    <p:wipe dir="r"/>
+  </p:transition>
+</p:sld>
+</file>
+
+<file path=ppt/slides/slide5.xml><?xml version="1.0" encoding="utf-8"?>
+<p:sld xmlns:a="http://schemas.openxmlformats.org/drawingml/2006/main" xmlns:r="http://schemas.openxmlformats.org/officeDocument/2006/relationships" xmlns:p="http://schemas.openxmlformats.org/presentationml/2006/main">
+  <p:cSld>
+    <p:spTree>
+      <p:nvGrpSpPr>
+        <p:cNvPr id="1" name=""/>
+        <p:cNvGrpSpPr/>
+        <p:nvPr/>
+      </p:nvGrpSpPr>
+      <p:grpSpPr>
+        <a:xfrm>
+          <a:off x="0" y="0"/>
+          <a:ext cx="0" cy="0"/>
+          <a:chOff x="0" y="0"/>
+          <a:chExt cx="0" cy="0"/>
+        </a:xfrm>
+      </p:grpSpPr>
+      <p:pic>
+        <p:nvPicPr>
+          <p:cNvPr id="2" name="Picture 1"/>
+          <p:cNvPicPr>
+            <a:picLocks noChangeAspect="1"/>
+          </p:cNvPicPr>
+          <p:nvPr/>
+        </p:nvPicPr>
+        <p:blipFill>
+          <a:blip r:embed="rId2"/>
+          <a:stretch>
+            <a:fillRect/>
+          </a:stretch>
+        </p:blipFill>
+        <p:spPr>
+          <a:xfrm>
+            <a:off x="139337" y="138264"/>
+            <a:ext cx="3735978" cy="2933117"/>
+          </a:xfrm>
+          <a:prstGeom prst="rect">
+            <a:avLst/>
+          </a:prstGeom>
+          <a:ln w="28575">
+            <a:solidFill>
+              <a:srgbClr val="FF0000"/>
+            </a:solidFill>
+          </a:ln>
+        </p:spPr>
+      </p:pic>
+      <p:pic>
+        <p:nvPicPr>
+          <p:cNvPr id="3" name="Picture 2"/>
+          <p:cNvPicPr>
+            <a:picLocks noChangeAspect="1"/>
+          </p:cNvPicPr>
+          <p:nvPr/>
+        </p:nvPicPr>
+        <p:blipFill>
+          <a:blip r:embed="rId3"/>
+          <a:stretch>
+            <a:fillRect/>
+          </a:stretch>
+        </p:blipFill>
+        <p:spPr>
+          <a:xfrm>
+            <a:off x="2802724" y="1817681"/>
+            <a:ext cx="5975348" cy="2676561"/>
+          </a:xfrm>
+          <a:prstGeom prst="rect">
+            <a:avLst/>
+          </a:prstGeom>
+          <a:ln w="28575">
+            <a:solidFill>
+              <a:srgbClr val="00B050"/>
+            </a:solidFill>
+          </a:ln>
+        </p:spPr>
+      </p:pic>
+      <p:sp>
+        <p:nvSpPr>
+          <p:cNvPr id="4" name="TextBox 3"/>
+          <p:cNvSpPr txBox="1"/>
+          <p:nvPr/>
+        </p:nvSpPr>
+        <p:spPr>
+          <a:xfrm>
+            <a:off x="4412643" y="172833"/>
+            <a:ext cx="914400" cy="914400"/>
+          </a:xfrm>
+          <a:prstGeom prst="rect">
+            <a:avLst/>
+          </a:prstGeom>
+          <a:noFill/>
+        </p:spPr>
+        <p:txBody>
+          <a:bodyPr wrap="none" rtlCol="0">
+            <a:noAutofit/>
+          </a:bodyPr>
+          <a:lstStyle/>
+          <a:p>
+            <a:pPr>
+              <a:lnSpc>
+                <a:spcPct val="90000"/>
+              </a:lnSpc>
+              <a:spcBef>
+                <a:spcPts val="600"/>
+              </a:spcBef>
+              <a:spcAft>
+                <a:spcPts val="0"/>
+              </a:spcAft>
+              <a:buClr>
+                <a:schemeClr val="bg1"/>
+              </a:buClr>
+            </a:pPr>
+            <a:r>
+              <a:rPr lang="en-US" sz="2000" dirty="0" smtClean="0">
+                <a:solidFill>
+                  <a:srgbClr val="FF0000"/>
+                </a:solidFill>
+                <a:latin typeface="+mn-lt"/>
+              </a:rPr>
+              <a:t>SELECT and PROJECT on Batting</a:t>
+            </a:r>
+          </a:p>
+          <a:p>
+            <a:pPr>
+              <a:lnSpc>
+                <a:spcPct val="90000"/>
+              </a:lnSpc>
+              <a:spcBef>
+                <a:spcPts val="600"/>
+              </a:spcBef>
+              <a:spcAft>
+                <a:spcPts val="0"/>
+              </a:spcAft>
+              <a:buClr>
+                <a:schemeClr val="bg1"/>
+              </a:buClr>
+            </a:pPr>
+            <a:endParaRPr lang="en-US" sz="2000" dirty="0">
+              <a:latin typeface="+mn-lt"/>
+            </a:endParaRPr>
+          </a:p>
+          <a:p>
+            <a:pPr>
+              <a:lnSpc>
+                <a:spcPct val="90000"/>
+              </a:lnSpc>
+              <a:spcBef>
+                <a:spcPts val="600"/>
+              </a:spcBef>
+              <a:spcAft>
+                <a:spcPts val="0"/>
+              </a:spcAft>
+              <a:buClr>
+                <a:schemeClr val="bg1"/>
+              </a:buClr>
+            </a:pPr>
+            <a:r>
+              <a:rPr lang="en-US" sz="2000" dirty="0" smtClean="0">
+                <a:solidFill>
+                  <a:srgbClr val="00B050"/>
+                </a:solidFill>
+                <a:latin typeface="+mn-lt"/>
+              </a:rPr>
+              <a:t>But, I really want the names.</a:t>
+            </a:r>
+            <a:br>
+              <a:rPr lang="en-US" sz="2000" dirty="0" smtClean="0">
+                <a:solidFill>
+                  <a:srgbClr val="00B050"/>
+                </a:solidFill>
+                <a:latin typeface="+mn-lt"/>
+              </a:rPr>
+            </a:br>
+            <a:r>
+              <a:rPr lang="en-US" sz="2000" dirty="0" smtClean="0">
+                <a:solidFill>
+                  <a:srgbClr val="00B050"/>
+                </a:solidFill>
+                <a:latin typeface="+mn-lt"/>
+              </a:rPr>
+              <a:t>Why not store them also?</a:t>
+            </a:r>
+            <a:endParaRPr lang="en-US" sz="2000" dirty="0" smtClean="0">
+              <a:solidFill>
+                <a:srgbClr val="00B050"/>
+              </a:solidFill>
+              <a:latin typeface="+mn-lt"/>
+            </a:endParaRPr>
+          </a:p>
+        </p:txBody>
+      </p:sp>
+    </p:spTree>
+    <p:extLst>
+      <p:ext uri="{BB962C8B-B14F-4D97-AF65-F5344CB8AC3E}">
+        <p14:creationId xmlns:p14="http://schemas.microsoft.com/office/powerpoint/2010/main" val="927499474"/>
+      </p:ext>
+    </p:extLst>
+  </p:cSld>
+  <p:clrMapOvr>
+    <a:masterClrMapping/>
+  </p:clrMapOvr>
+  <p:transition spd="med">
+    <p:wipe dir="r"/>
+  </p:transition>
+</p:sld>
+</file>
+
+<file path=ppt/slides/slide6.xml><?xml version="1.0" encoding="utf-8"?>
+<p:sld xmlns:a="http://schemas.openxmlformats.org/drawingml/2006/main" xmlns:r="http://schemas.openxmlformats.org/officeDocument/2006/relationships" xmlns:p="http://schemas.openxmlformats.org/presentationml/2006/main">
+  <p:cSld>
+    <p:spTree>
+      <p:nvGrpSpPr>
+        <p:cNvPr id="1" name=""/>
+        <p:cNvGrpSpPr/>
+        <p:nvPr/>
+      </p:nvGrpSpPr>
+      <p:grpSpPr>
+        <a:xfrm>
+          <a:off x="0" y="0"/>
+          <a:ext cx="0" cy="0"/>
+          <a:chOff x="0" y="0"/>
+          <a:chExt cx="0" cy="0"/>
+        </a:xfrm>
+      </p:grpSpPr>
+      <p:pic>
+        <p:nvPicPr>
+          <p:cNvPr id="2" name="Picture 1"/>
+          <p:cNvPicPr>
+            <a:picLocks noChangeAspect="1"/>
+          </p:cNvPicPr>
+          <p:nvPr/>
+        </p:nvPicPr>
+        <p:blipFill>
+          <a:blip r:embed="rId2"/>
+          <a:stretch>
+            <a:fillRect/>
+          </a:stretch>
+        </p:blipFill>
+        <p:spPr>
+          <a:xfrm>
+            <a:off x="5077447" y="752639"/>
+            <a:ext cx="3136900" cy="2997200"/>
+          </a:xfrm>
+          <a:prstGeom prst="rect">
+            <a:avLst/>
+          </a:prstGeom>
+        </p:spPr>
+      </p:pic>
+    </p:spTree>
+    <p:extLst>
+      <p:ext uri="{BB962C8B-B14F-4D97-AF65-F5344CB8AC3E}">
+        <p14:creationId xmlns:p14="http://schemas.microsoft.com/office/powerpoint/2010/main" val="409991363"/>
       </p:ext>
     </p:extLst>
   </p:cSld>

--- a/Lectures/generalslides.pptx
+++ b/Lectures/generalslides.pptx
@@ -8,10 +8,10 @@
     <p:sldMasterId id="2147483924" r:id="rId7"/>
   </p:sldMasterIdLst>
   <p:notesMasterIdLst>
-    <p:notesMasterId r:id="rId14"/>
+    <p:notesMasterId r:id="rId17"/>
   </p:notesMasterIdLst>
   <p:handoutMasterIdLst>
-    <p:handoutMasterId r:id="rId15"/>
+    <p:handoutMasterId r:id="rId18"/>
   </p:handoutMasterIdLst>
   <p:sldIdLst>
     <p:sldId id="262" r:id="rId8"/>
@@ -20,6 +20,9 @@
     <p:sldId id="265" r:id="rId11"/>
     <p:sldId id="266" r:id="rId12"/>
     <p:sldId id="267" r:id="rId13"/>
+    <p:sldId id="268" r:id="rId14"/>
+    <p:sldId id="269" r:id="rId15"/>
+    <p:sldId id="270" r:id="rId16"/>
   </p:sldIdLst>
   <p:sldSz cx="9144000" cy="5143500" type="screen16x9"/>
   <p:notesSz cx="7315200" cy="9601200"/>
@@ -159,6 +162,9 @@
             <p14:sldId id="265"/>
             <p14:sldId id="266"/>
             <p14:sldId id="267"/>
+            <p14:sldId id="268"/>
+            <p14:sldId id="269"/>
+            <p14:sldId id="270"/>
           </p14:sldIdLst>
         </p14:section>
         <p14:section name="Backup" id="{DEBBD39D-1CE4-B04E-B505-EBC9CF555587}">
@@ -9653,7 +9659,7 @@
                   <a:schemeClr val="bg1"/>
                 </a:buClr>
               </a:pPr>
-              <a:t>1/28/18</a:t>
+              <a:t>1/30/18</a:t>
             </a:fld>
             <a:endParaRPr lang="en-US" sz="800" dirty="0" smtClean="0">
               <a:solidFill>
@@ -10478,7 +10484,7 @@
                   <a:schemeClr val="bg1"/>
                 </a:buClr>
               </a:pPr>
-              <a:t>1/28/18</a:t>
+              <a:t>1/30/18</a:t>
             </a:fld>
             <a:endParaRPr lang="en-US" sz="800" dirty="0" smtClean="0">
               <a:solidFill>
@@ -11486,7 +11492,7 @@
                   <a:srgbClr val="0085C3"/>
                 </a:buClr>
               </a:pPr>
-              <a:t>1/28/18</a:t>
+              <a:t>1/30/18</a:t>
             </a:fld>
             <a:endParaRPr lang="en-US" sz="900" dirty="0" smtClean="0">
               <a:solidFill>
@@ -11560,7 +11566,7 @@
                   <a:srgbClr val="0085C3"/>
                 </a:buClr>
               </a:pPr>
-              <a:t>1/28/18</a:t>
+              <a:t>1/30/18</a:t>
             </a:fld>
             <a:endParaRPr lang="en-US" sz="900" dirty="0" smtClean="0">
               <a:solidFill>
@@ -12516,7 +12522,7 @@
                   <a:srgbClr val="0085C3"/>
                 </a:buClr>
               </a:pPr>
-              <a:t>1/28/18</a:t>
+              <a:t>1/30/18</a:t>
             </a:fld>
             <a:endParaRPr lang="en-US" sz="800" dirty="0" smtClean="0">
               <a:solidFill>
@@ -14552,12 +14558,6 @@
               </a:rPr>
               <a:t>Why not store them also?</a:t>
             </a:r>
-            <a:endParaRPr lang="en-US" sz="2000" dirty="0" smtClean="0">
-              <a:solidFill>
-                <a:srgbClr val="00B050"/>
-              </a:solidFill>
-              <a:latin typeface="+mn-lt"/>
-            </a:endParaRPr>
           </a:p>
         </p:txBody>
       </p:sp>
@@ -14622,6 +14622,894 @@
     <p:extLst>
       <p:ext uri="{BB962C8B-B14F-4D97-AF65-F5344CB8AC3E}">
         <p14:creationId xmlns:p14="http://schemas.microsoft.com/office/powerpoint/2010/main" val="409991363"/>
+      </p:ext>
+    </p:extLst>
+  </p:cSld>
+  <p:clrMapOvr>
+    <a:masterClrMapping/>
+  </p:clrMapOvr>
+  <p:transition spd="med">
+    <p:wipe dir="r"/>
+  </p:transition>
+</p:sld>
+</file>
+
+<file path=ppt/slides/slide7.xml><?xml version="1.0" encoding="utf-8"?>
+<p:sld xmlns:a="http://schemas.openxmlformats.org/drawingml/2006/main" xmlns:r="http://schemas.openxmlformats.org/officeDocument/2006/relationships" xmlns:p="http://schemas.openxmlformats.org/presentationml/2006/main">
+  <p:cSld>
+    <p:spTree>
+      <p:nvGrpSpPr>
+        <p:cNvPr id="1" name=""/>
+        <p:cNvGrpSpPr/>
+        <p:nvPr/>
+      </p:nvGrpSpPr>
+      <p:grpSpPr>
+        <a:xfrm>
+          <a:off x="0" y="0"/>
+          <a:ext cx="0" cy="0"/>
+          <a:chOff x="0" y="0"/>
+          <a:chExt cx="0" cy="0"/>
+        </a:xfrm>
+      </p:grpSpPr>
+      <p:pic>
+        <p:nvPicPr>
+          <p:cNvPr id="2" name="Picture 1"/>
+          <p:cNvPicPr>
+            <a:picLocks noChangeAspect="1"/>
+          </p:cNvPicPr>
+          <p:nvPr/>
+        </p:nvPicPr>
+        <p:blipFill>
+          <a:blip r:embed="rId2"/>
+          <a:stretch>
+            <a:fillRect/>
+          </a:stretch>
+        </p:blipFill>
+        <p:spPr>
+          <a:xfrm>
+            <a:off x="225936" y="91440"/>
+            <a:ext cx="8450703" cy="4341432"/>
+          </a:xfrm>
+          <a:prstGeom prst="rect">
+            <a:avLst/>
+          </a:prstGeom>
+        </p:spPr>
+      </p:pic>
+      <p:sp>
+        <p:nvSpPr>
+          <p:cNvPr id="3" name="Rectangle 2"/>
+          <p:cNvSpPr/>
+          <p:nvPr/>
+        </p:nvSpPr>
+        <p:spPr>
+          <a:xfrm>
+            <a:off x="2438400" y="4084320"/>
+            <a:ext cx="2428240" cy="348552"/>
+          </a:xfrm>
+          <a:prstGeom prst="rect">
+            <a:avLst/>
+          </a:prstGeom>
+          <a:noFill/>
+          <a:ln w="38100">
+            <a:solidFill>
+              <a:srgbClr val="FF0000"/>
+            </a:solidFill>
+          </a:ln>
+          <a:effectLst/>
+        </p:spPr>
+        <p:txBody>
+          <a:bodyPr wrap="square" lIns="182880" tIns="137160" rIns="137160" bIns="137160" rtlCol="0" anchor="ctr">
+            <a:noAutofit/>
+          </a:bodyPr>
+          <a:lstStyle/>
+          <a:p>
+            <a:pPr algn="ctr">
+              <a:lnSpc>
+                <a:spcPct val="90000"/>
+              </a:lnSpc>
+              <a:spcBef>
+                <a:spcPts val="600"/>
+              </a:spcBef>
+              <a:spcAft>
+                <a:spcPts val="0"/>
+              </a:spcAft>
+            </a:pPr>
+            <a:endParaRPr lang="en-US" sz="2000" dirty="0" smtClean="0">
+              <a:solidFill>
+                <a:schemeClr val="tx2"/>
+              </a:solidFill>
+              <a:latin typeface="+mn-lt"/>
+            </a:endParaRPr>
+          </a:p>
+        </p:txBody>
+      </p:sp>
+      <p:sp>
+        <p:nvSpPr>
+          <p:cNvPr id="4" name="Rectangle 3"/>
+          <p:cNvSpPr/>
+          <p:nvPr/>
+        </p:nvSpPr>
+        <p:spPr>
+          <a:xfrm>
+            <a:off x="2438400" y="304800"/>
+            <a:ext cx="3982720" cy="1950720"/>
+          </a:xfrm>
+          <a:prstGeom prst="rect">
+            <a:avLst/>
+          </a:prstGeom>
+          <a:noFill/>
+          <a:ln w="38100">
+            <a:solidFill>
+              <a:srgbClr val="FF0000"/>
+            </a:solidFill>
+          </a:ln>
+          <a:effectLst/>
+        </p:spPr>
+        <p:txBody>
+          <a:bodyPr wrap="square" lIns="182880" tIns="137160" rIns="137160" bIns="137160" rtlCol="0" anchor="ctr">
+            <a:noAutofit/>
+          </a:bodyPr>
+          <a:lstStyle/>
+          <a:p>
+            <a:pPr algn="ctr">
+              <a:lnSpc>
+                <a:spcPct val="90000"/>
+              </a:lnSpc>
+              <a:spcBef>
+                <a:spcPts val="600"/>
+              </a:spcBef>
+              <a:spcAft>
+                <a:spcPts val="0"/>
+              </a:spcAft>
+            </a:pPr>
+            <a:endParaRPr lang="en-US" sz="2000" dirty="0" smtClean="0">
+              <a:solidFill>
+                <a:schemeClr val="tx2"/>
+              </a:solidFill>
+              <a:latin typeface="+mn-lt"/>
+            </a:endParaRPr>
+          </a:p>
+        </p:txBody>
+      </p:sp>
+      <p:sp>
+        <p:nvSpPr>
+          <p:cNvPr id="5" name="Rectangle 4"/>
+          <p:cNvSpPr/>
+          <p:nvPr/>
+        </p:nvSpPr>
+        <p:spPr>
+          <a:xfrm>
+            <a:off x="225936" y="3738880"/>
+            <a:ext cx="2121024" cy="182880"/>
+          </a:xfrm>
+          <a:prstGeom prst="rect">
+            <a:avLst/>
+          </a:prstGeom>
+          <a:noFill/>
+          <a:ln w="38100">
+            <a:solidFill>
+              <a:srgbClr val="FF0000"/>
+            </a:solidFill>
+          </a:ln>
+          <a:effectLst/>
+        </p:spPr>
+        <p:txBody>
+          <a:bodyPr wrap="square" lIns="182880" tIns="137160" rIns="137160" bIns="137160" rtlCol="0" anchor="ctr">
+            <a:noAutofit/>
+          </a:bodyPr>
+          <a:lstStyle/>
+          <a:p>
+            <a:pPr algn="ctr">
+              <a:lnSpc>
+                <a:spcPct val="90000"/>
+              </a:lnSpc>
+              <a:spcBef>
+                <a:spcPts val="600"/>
+              </a:spcBef>
+              <a:spcAft>
+                <a:spcPts val="0"/>
+              </a:spcAft>
+            </a:pPr>
+            <a:endParaRPr lang="en-US" sz="2000" dirty="0" smtClean="0">
+              <a:solidFill>
+                <a:schemeClr val="tx2"/>
+              </a:solidFill>
+              <a:latin typeface="+mn-lt"/>
+            </a:endParaRPr>
+          </a:p>
+        </p:txBody>
+      </p:sp>
+      <p:sp>
+        <p:nvSpPr>
+          <p:cNvPr id="6" name="Rounded Rectangular Callout 5"/>
+          <p:cNvSpPr/>
+          <p:nvPr/>
+        </p:nvSpPr>
+        <p:spPr>
+          <a:xfrm>
+            <a:off x="225936" y="1645920"/>
+            <a:ext cx="2029584" cy="701040"/>
+          </a:xfrm>
+          <a:prstGeom prst="wedgeRoundRectCallout">
+            <a:avLst>
+              <a:gd name="adj1" fmla="val -39856"/>
+              <a:gd name="adj2" fmla="val 248237"/>
+              <a:gd name="adj3" fmla="val 16667"/>
+            </a:avLst>
+          </a:prstGeom>
+          <a:solidFill>
+            <a:srgbClr val="FF0000"/>
+          </a:solidFill>
+          <a:ln>
+            <a:solidFill>
+              <a:schemeClr val="bg2"/>
+            </a:solidFill>
+          </a:ln>
+          <a:effectLst/>
+        </p:spPr>
+        <p:txBody>
+          <a:bodyPr wrap="square" lIns="182880" tIns="137160" rIns="137160" bIns="137160" rtlCol="0" anchor="ctr">
+            <a:noAutofit/>
+          </a:bodyPr>
+          <a:lstStyle/>
+          <a:p>
+            <a:pPr marL="342900" indent="-342900">
+              <a:lnSpc>
+                <a:spcPct val="90000"/>
+              </a:lnSpc>
+              <a:spcBef>
+                <a:spcPts val="600"/>
+              </a:spcBef>
+              <a:spcAft>
+                <a:spcPts val="0"/>
+              </a:spcAft>
+              <a:buFont typeface="Arial" charset="0"/>
+              <a:buChar char="•"/>
+            </a:pPr>
+            <a:r>
+              <a:rPr lang="en-US" sz="1400" dirty="0" smtClean="0">
+                <a:solidFill>
+                  <a:schemeClr val="tx2"/>
+                </a:solidFill>
+                <a:latin typeface="+mn-lt"/>
+              </a:rPr>
+              <a:t>Right click</a:t>
+            </a:r>
+          </a:p>
+          <a:p>
+            <a:pPr marL="342900" indent="-342900">
+              <a:lnSpc>
+                <a:spcPct val="90000"/>
+              </a:lnSpc>
+              <a:spcBef>
+                <a:spcPts val="600"/>
+              </a:spcBef>
+              <a:spcAft>
+                <a:spcPts val="0"/>
+              </a:spcAft>
+              <a:buFont typeface="Arial" charset="0"/>
+              <a:buChar char="•"/>
+            </a:pPr>
+            <a:r>
+              <a:rPr lang="en-US" sz="1400" dirty="0" smtClean="0">
+                <a:solidFill>
+                  <a:schemeClr val="tx2"/>
+                </a:solidFill>
+                <a:latin typeface="+mn-lt"/>
+              </a:rPr>
+              <a:t>Alter table.</a:t>
+            </a:r>
+            <a:endParaRPr lang="en-US" sz="1400" dirty="0" smtClean="0">
+              <a:solidFill>
+                <a:schemeClr val="tx2"/>
+              </a:solidFill>
+              <a:latin typeface="+mn-lt"/>
+            </a:endParaRPr>
+          </a:p>
+        </p:txBody>
+      </p:sp>
+      <p:sp>
+        <p:nvSpPr>
+          <p:cNvPr id="7" name="Rounded Rectangular Callout 6"/>
+          <p:cNvSpPr/>
+          <p:nvPr/>
+        </p:nvSpPr>
+        <p:spPr>
+          <a:xfrm>
+            <a:off x="6901056" y="2082800"/>
+            <a:ext cx="2029584" cy="701040"/>
+          </a:xfrm>
+          <a:prstGeom prst="wedgeRoundRectCallout">
+            <a:avLst>
+              <a:gd name="adj1" fmla="val -171513"/>
+              <a:gd name="adj2" fmla="val 230845"/>
+              <a:gd name="adj3" fmla="val 16667"/>
+            </a:avLst>
+          </a:prstGeom>
+          <a:solidFill>
+            <a:srgbClr val="FF0000"/>
+          </a:solidFill>
+          <a:ln>
+            <a:solidFill>
+              <a:schemeClr val="bg2"/>
+            </a:solidFill>
+          </a:ln>
+          <a:effectLst/>
+        </p:spPr>
+        <p:txBody>
+          <a:bodyPr wrap="square" lIns="182880" tIns="137160" rIns="137160" bIns="137160" rtlCol="0" anchor="ctr">
+            <a:noAutofit/>
+          </a:bodyPr>
+          <a:lstStyle/>
+          <a:p>
+            <a:pPr algn="ctr">
+              <a:lnSpc>
+                <a:spcPct val="90000"/>
+              </a:lnSpc>
+              <a:spcBef>
+                <a:spcPts val="600"/>
+              </a:spcBef>
+              <a:spcAft>
+                <a:spcPts val="0"/>
+              </a:spcAft>
+            </a:pPr>
+            <a:r>
+              <a:rPr lang="en-US" sz="1400" smtClean="0">
+                <a:solidFill>
+                  <a:schemeClr val="tx2"/>
+                </a:solidFill>
+                <a:latin typeface="+mn-lt"/>
+              </a:rPr>
+              <a:t>Type of constraint to define/change.</a:t>
+            </a:r>
+            <a:endParaRPr lang="en-US" sz="1400" dirty="0" smtClean="0">
+              <a:solidFill>
+                <a:schemeClr val="tx2"/>
+              </a:solidFill>
+              <a:latin typeface="+mn-lt"/>
+            </a:endParaRPr>
+          </a:p>
+        </p:txBody>
+      </p:sp>
+      <p:sp>
+        <p:nvSpPr>
+          <p:cNvPr id="8" name="Rounded Rectangular Callout 7"/>
+          <p:cNvSpPr/>
+          <p:nvPr/>
+        </p:nvSpPr>
+        <p:spPr>
+          <a:xfrm>
+            <a:off x="7419216" y="121920"/>
+            <a:ext cx="2029584" cy="701040"/>
+          </a:xfrm>
+          <a:prstGeom prst="wedgeRoundRectCallout">
+            <a:avLst>
+              <a:gd name="adj1" fmla="val -98927"/>
+              <a:gd name="adj2" fmla="val 120700"/>
+              <a:gd name="adj3" fmla="val 16667"/>
+            </a:avLst>
+          </a:prstGeom>
+          <a:solidFill>
+            <a:srgbClr val="FF0000"/>
+          </a:solidFill>
+          <a:ln>
+            <a:solidFill>
+              <a:schemeClr val="bg2"/>
+            </a:solidFill>
+          </a:ln>
+          <a:effectLst/>
+        </p:spPr>
+        <p:txBody>
+          <a:bodyPr wrap="square" lIns="182880" tIns="137160" rIns="137160" bIns="137160" rtlCol="0" anchor="ctr">
+            <a:noAutofit/>
+          </a:bodyPr>
+          <a:lstStyle/>
+          <a:p>
+            <a:pPr algn="ctr">
+              <a:lnSpc>
+                <a:spcPct val="90000"/>
+              </a:lnSpc>
+              <a:spcBef>
+                <a:spcPts val="600"/>
+              </a:spcBef>
+              <a:spcAft>
+                <a:spcPts val="0"/>
+              </a:spcAft>
+            </a:pPr>
+            <a:r>
+              <a:rPr lang="en-US" sz="1400" dirty="0" smtClean="0">
+                <a:solidFill>
+                  <a:schemeClr val="tx2"/>
+                </a:solidFill>
+                <a:latin typeface="+mn-lt"/>
+              </a:rPr>
+              <a:t>Column constraints</a:t>
+            </a:r>
+            <a:endParaRPr lang="en-US" sz="1400" dirty="0" smtClean="0">
+              <a:solidFill>
+                <a:schemeClr val="tx2"/>
+              </a:solidFill>
+              <a:latin typeface="+mn-lt"/>
+            </a:endParaRPr>
+          </a:p>
+        </p:txBody>
+      </p:sp>
+    </p:spTree>
+    <p:extLst>
+      <p:ext uri="{BB962C8B-B14F-4D97-AF65-F5344CB8AC3E}">
+        <p14:creationId xmlns:p14="http://schemas.microsoft.com/office/powerpoint/2010/main" val="1767057640"/>
+      </p:ext>
+    </p:extLst>
+  </p:cSld>
+  <p:clrMapOvr>
+    <a:masterClrMapping/>
+  </p:clrMapOvr>
+  <p:transition spd="med">
+    <p:wipe dir="r"/>
+  </p:transition>
+</p:sld>
+</file>
+
+<file path=ppt/slides/slide8.xml><?xml version="1.0" encoding="utf-8"?>
+<p:sld xmlns:a="http://schemas.openxmlformats.org/drawingml/2006/main" xmlns:r="http://schemas.openxmlformats.org/officeDocument/2006/relationships" xmlns:p="http://schemas.openxmlformats.org/presentationml/2006/main">
+  <p:cSld>
+    <p:spTree>
+      <p:nvGrpSpPr>
+        <p:cNvPr id="1" name=""/>
+        <p:cNvGrpSpPr/>
+        <p:nvPr/>
+      </p:nvGrpSpPr>
+      <p:grpSpPr>
+        <a:xfrm>
+          <a:off x="0" y="0"/>
+          <a:ext cx="0" cy="0"/>
+          <a:chOff x="0" y="0"/>
+          <a:chExt cx="0" cy="0"/>
+        </a:xfrm>
+      </p:grpSpPr>
+      <p:grpSp>
+        <p:nvGrpSpPr>
+          <p:cNvPr id="5" name="Group 4"/>
+          <p:cNvGrpSpPr/>
+          <p:nvPr/>
+        </p:nvGrpSpPr>
+        <p:grpSpPr>
+          <a:xfrm>
+            <a:off x="-209178" y="-80407"/>
+            <a:ext cx="3300358" cy="2562860"/>
+            <a:chOff x="2232660" y="1066800"/>
+            <a:chExt cx="3876040" cy="3009900"/>
+          </a:xfrm>
+        </p:grpSpPr>
+        <p:pic>
+          <p:nvPicPr>
+            <p:cNvPr id="2" name="Picture 1"/>
+            <p:cNvPicPr>
+              <a:picLocks noChangeAspect="1"/>
+            </p:cNvPicPr>
+            <p:nvPr/>
+          </p:nvPicPr>
+          <p:blipFill>
+            <a:blip r:embed="rId2"/>
+            <a:stretch>
+              <a:fillRect/>
+            </a:stretch>
+          </p:blipFill>
+          <p:spPr>
+            <a:xfrm>
+              <a:off x="3035300" y="1066800"/>
+              <a:ext cx="3073400" cy="3009900"/>
+            </a:xfrm>
+            <a:prstGeom prst="rect">
+              <a:avLst/>
+            </a:prstGeom>
+          </p:spPr>
+        </p:pic>
+        <p:sp>
+          <p:nvSpPr>
+            <p:cNvPr id="3" name="Rectangle 2"/>
+            <p:cNvSpPr/>
+            <p:nvPr/>
+          </p:nvSpPr>
+          <p:spPr>
+            <a:xfrm>
+              <a:off x="5285740" y="3375660"/>
+              <a:ext cx="822960" cy="701040"/>
+            </a:xfrm>
+            <a:prstGeom prst="rect">
+              <a:avLst/>
+            </a:prstGeom>
+            <a:solidFill>
+              <a:schemeClr val="tx2"/>
+            </a:solidFill>
+            <a:effectLst/>
+          </p:spPr>
+          <p:txBody>
+            <a:bodyPr wrap="square" lIns="182880" tIns="137160" rIns="137160" bIns="137160" rtlCol="0" anchor="ctr">
+              <a:noAutofit/>
+            </a:bodyPr>
+            <a:lstStyle/>
+            <a:p>
+              <a:pPr algn="ctr">
+                <a:lnSpc>
+                  <a:spcPct val="90000"/>
+                </a:lnSpc>
+                <a:spcBef>
+                  <a:spcPts val="600"/>
+                </a:spcBef>
+                <a:spcAft>
+                  <a:spcPts val="0"/>
+                </a:spcAft>
+              </a:pPr>
+              <a:endParaRPr lang="en-US" sz="2000" dirty="0" smtClean="0">
+                <a:solidFill>
+                  <a:schemeClr val="tx2"/>
+                </a:solidFill>
+                <a:latin typeface="+mn-lt"/>
+              </a:endParaRPr>
+            </a:p>
+          </p:txBody>
+        </p:sp>
+        <p:sp>
+          <p:nvSpPr>
+            <p:cNvPr id="4" name="Rectangle 3"/>
+            <p:cNvSpPr/>
+            <p:nvPr/>
+          </p:nvSpPr>
+          <p:spPr>
+            <a:xfrm>
+              <a:off x="2232660" y="1066800"/>
+              <a:ext cx="822960" cy="3009900"/>
+            </a:xfrm>
+            <a:prstGeom prst="rect">
+              <a:avLst/>
+            </a:prstGeom>
+            <a:solidFill>
+              <a:schemeClr val="tx2"/>
+            </a:solidFill>
+            <a:effectLst/>
+          </p:spPr>
+          <p:txBody>
+            <a:bodyPr wrap="square" lIns="182880" tIns="137160" rIns="137160" bIns="137160" rtlCol="0" anchor="ctr">
+              <a:noAutofit/>
+            </a:bodyPr>
+            <a:lstStyle/>
+            <a:p>
+              <a:pPr algn="ctr">
+                <a:lnSpc>
+                  <a:spcPct val="90000"/>
+                </a:lnSpc>
+                <a:spcBef>
+                  <a:spcPts val="600"/>
+                </a:spcBef>
+                <a:spcAft>
+                  <a:spcPts val="0"/>
+                </a:spcAft>
+              </a:pPr>
+              <a:endParaRPr lang="en-US" sz="2000" dirty="0" smtClean="0">
+                <a:solidFill>
+                  <a:schemeClr val="tx2"/>
+                </a:solidFill>
+                <a:latin typeface="+mn-lt"/>
+              </a:endParaRPr>
+            </a:p>
+          </p:txBody>
+        </p:sp>
+      </p:grpSp>
+      <p:pic>
+        <p:nvPicPr>
+          <p:cNvPr id="8" name="Picture 7"/>
+          <p:cNvPicPr>
+            <a:picLocks noChangeAspect="1"/>
+          </p:cNvPicPr>
+          <p:nvPr/>
+        </p:nvPicPr>
+        <p:blipFill>
+          <a:blip r:embed="rId3"/>
+          <a:stretch>
+            <a:fillRect/>
+          </a:stretch>
+        </p:blipFill>
+        <p:spPr>
+          <a:xfrm>
+            <a:off x="240974" y="2482453"/>
+            <a:ext cx="4136390" cy="2073431"/>
+          </a:xfrm>
+          <a:prstGeom prst="rect">
+            <a:avLst/>
+          </a:prstGeom>
+        </p:spPr>
+      </p:pic>
+      <p:sp>
+        <p:nvSpPr>
+          <p:cNvPr id="9" name="Rectangle 8"/>
+          <p:cNvSpPr/>
+          <p:nvPr/>
+        </p:nvSpPr>
+        <p:spPr>
+          <a:xfrm>
+            <a:off x="2499360" y="2426961"/>
+            <a:ext cx="1867844" cy="580400"/>
+          </a:xfrm>
+          <a:prstGeom prst="rect">
+            <a:avLst/>
+          </a:prstGeom>
+          <a:solidFill>
+            <a:schemeClr val="tx2"/>
+          </a:solidFill>
+          <a:effectLst/>
+        </p:spPr>
+        <p:txBody>
+          <a:bodyPr wrap="square" lIns="182880" tIns="137160" rIns="137160" bIns="137160" rtlCol="0" anchor="ctr">
+            <a:noAutofit/>
+          </a:bodyPr>
+          <a:lstStyle/>
+          <a:p>
+            <a:pPr algn="ctr">
+              <a:lnSpc>
+                <a:spcPct val="90000"/>
+              </a:lnSpc>
+              <a:spcBef>
+                <a:spcPts val="600"/>
+              </a:spcBef>
+              <a:spcAft>
+                <a:spcPts val="0"/>
+              </a:spcAft>
+            </a:pPr>
+            <a:endParaRPr lang="en-US" sz="2000" dirty="0" smtClean="0">
+              <a:solidFill>
+                <a:schemeClr val="tx2"/>
+              </a:solidFill>
+              <a:latin typeface="+mn-lt"/>
+            </a:endParaRPr>
+          </a:p>
+        </p:txBody>
+      </p:sp>
+      <p:sp>
+        <p:nvSpPr>
+          <p:cNvPr id="10" name="Rectangle 9"/>
+          <p:cNvSpPr/>
+          <p:nvPr/>
+        </p:nvSpPr>
+        <p:spPr>
+          <a:xfrm>
+            <a:off x="4367204" y="2426960"/>
+            <a:ext cx="233276" cy="2128923"/>
+          </a:xfrm>
+          <a:prstGeom prst="rect">
+            <a:avLst/>
+          </a:prstGeom>
+          <a:solidFill>
+            <a:schemeClr val="tx2"/>
+          </a:solidFill>
+          <a:effectLst/>
+        </p:spPr>
+        <p:txBody>
+          <a:bodyPr wrap="square" lIns="182880" tIns="137160" rIns="137160" bIns="137160" rtlCol="0" anchor="ctr">
+            <a:noAutofit/>
+          </a:bodyPr>
+          <a:lstStyle/>
+          <a:p>
+            <a:pPr algn="ctr">
+              <a:lnSpc>
+                <a:spcPct val="90000"/>
+              </a:lnSpc>
+              <a:spcBef>
+                <a:spcPts val="600"/>
+              </a:spcBef>
+              <a:spcAft>
+                <a:spcPts val="0"/>
+              </a:spcAft>
+            </a:pPr>
+            <a:endParaRPr lang="en-US" sz="2000" dirty="0" smtClean="0">
+              <a:solidFill>
+                <a:schemeClr val="tx2"/>
+              </a:solidFill>
+              <a:latin typeface="+mn-lt"/>
+            </a:endParaRPr>
+          </a:p>
+        </p:txBody>
+      </p:sp>
+      <p:sp>
+        <p:nvSpPr>
+          <p:cNvPr id="7" name="Content Placeholder 6"/>
+          <p:cNvSpPr>
+            <a:spLocks noGrp="1"/>
+          </p:cNvSpPr>
+          <p:nvPr>
+            <p:ph sz="half" idx="1"/>
+          </p:nvPr>
+        </p:nvSpPr>
+        <p:spPr>
+          <a:xfrm>
+            <a:off x="3009900" y="162560"/>
+            <a:ext cx="5941060" cy="4210444"/>
+          </a:xfrm>
+        </p:spPr>
+        <p:txBody>
+          <a:bodyPr/>
+          <a:lstStyle/>
+          <a:p>
+            <a:pPr marL="0" indent="0">
+              <a:buNone/>
+            </a:pPr>
+            <a:r>
+              <a:rPr lang="en-US" dirty="0" smtClean="0"/>
+              <a:t>A = Master, B = </a:t>
+            </a:r>
+            <a:r>
+              <a:rPr lang="en-US" dirty="0" err="1" smtClean="0"/>
+              <a:t>AwardsPlayers</a:t>
+            </a:r>
+            <a:endParaRPr lang="en-US" dirty="0" smtClean="0"/>
+          </a:p>
+          <a:p>
+            <a:endParaRPr lang="en-US" dirty="0" smtClean="0"/>
+          </a:p>
+          <a:p>
+            <a:r>
+              <a:rPr lang="en-US" dirty="0" smtClean="0"/>
+              <a:t>Set difference is Players that did not win an award.</a:t>
+            </a:r>
+          </a:p>
+          <a:p>
+            <a:endParaRPr lang="en-US" dirty="0"/>
+          </a:p>
+          <a:p>
+            <a:r>
+              <a:rPr lang="en-US" dirty="0" smtClean="0"/>
+              <a:t>UNION </a:t>
+            </a:r>
+            <a:r>
+              <a:rPr lang="mr-IN" dirty="0" smtClean="0"/>
+              <a:t>–</a:t>
+            </a:r>
+            <a:r>
+              <a:rPr lang="en-US" dirty="0" smtClean="0"/>
+              <a:t> INTERSECTION is</a:t>
+            </a:r>
+          </a:p>
+          <a:p>
+            <a:pPr lvl="1"/>
+            <a:r>
+              <a:rPr lang="en-US" dirty="0" smtClean="0"/>
+              <a:t>Players and each Award the player did not win.</a:t>
+            </a:r>
+          </a:p>
+          <a:p>
+            <a:pPr lvl="1"/>
+            <a:r>
+              <a:rPr lang="en-US" dirty="0" smtClean="0"/>
+              <a:t>What if I only want to know the players who did not win and Award but do not care about which one?</a:t>
+            </a:r>
+          </a:p>
+          <a:p>
+            <a:pPr lvl="1"/>
+            <a:r>
+              <a:rPr lang="en-US" dirty="0" smtClean="0"/>
+              <a:t>SELECT DISTINCT and do not choose </a:t>
+            </a:r>
+            <a:r>
+              <a:rPr lang="en-US" dirty="0" err="1" smtClean="0"/>
+              <a:t>awardID</a:t>
+            </a:r>
+            <a:r>
+              <a:rPr lang="en-US" dirty="0" smtClean="0"/>
+              <a:t>.</a:t>
+            </a:r>
+            <a:endParaRPr lang="en-US" dirty="0"/>
+          </a:p>
+        </p:txBody>
+      </p:sp>
+    </p:spTree>
+    <p:extLst>
+      <p:ext uri="{BB962C8B-B14F-4D97-AF65-F5344CB8AC3E}">
+        <p14:creationId xmlns:p14="http://schemas.microsoft.com/office/powerpoint/2010/main" val="1499318374"/>
+      </p:ext>
+    </p:extLst>
+  </p:cSld>
+  <p:clrMapOvr>
+    <a:masterClrMapping/>
+  </p:clrMapOvr>
+  <p:transition spd="med">
+    <p:wipe dir="r"/>
+  </p:transition>
+</p:sld>
+</file>
+
+<file path=ppt/slides/slide9.xml><?xml version="1.0" encoding="utf-8"?>
+<p:sld xmlns:a="http://schemas.openxmlformats.org/drawingml/2006/main" xmlns:r="http://schemas.openxmlformats.org/officeDocument/2006/relationships" xmlns:p="http://schemas.openxmlformats.org/presentationml/2006/main">
+  <p:cSld>
+    <p:spTree>
+      <p:nvGrpSpPr>
+        <p:cNvPr id="1" name=""/>
+        <p:cNvGrpSpPr/>
+        <p:nvPr/>
+      </p:nvGrpSpPr>
+      <p:grpSpPr>
+        <a:xfrm>
+          <a:off x="0" y="0"/>
+          <a:ext cx="0" cy="0"/>
+          <a:chOff x="0" y="0"/>
+          <a:chExt cx="0" cy="0"/>
+        </a:xfrm>
+      </p:grpSpPr>
+      <p:pic>
+        <p:nvPicPr>
+          <p:cNvPr id="2" name="Picture 1"/>
+          <p:cNvPicPr>
+            <a:picLocks noChangeAspect="1"/>
+          </p:cNvPicPr>
+          <p:nvPr/>
+        </p:nvPicPr>
+        <p:blipFill>
+          <a:blip r:embed="rId2"/>
+          <a:stretch>
+            <a:fillRect/>
+          </a:stretch>
+        </p:blipFill>
+        <p:spPr>
+          <a:xfrm>
+            <a:off x="266971" y="256854"/>
+            <a:ext cx="8024273" cy="3876132"/>
+          </a:xfrm>
+          <a:prstGeom prst="rect">
+            <a:avLst/>
+          </a:prstGeom>
+        </p:spPr>
+      </p:pic>
+      <p:sp>
+        <p:nvSpPr>
+          <p:cNvPr id="3" name="TextBox 2"/>
+          <p:cNvSpPr txBox="1"/>
+          <p:nvPr/>
+        </p:nvSpPr>
+        <p:spPr>
+          <a:xfrm>
+            <a:off x="5424755" y="534256"/>
+            <a:ext cx="914400" cy="914400"/>
+          </a:xfrm>
+          <a:prstGeom prst="rect">
+            <a:avLst/>
+          </a:prstGeom>
+          <a:noFill/>
+        </p:spPr>
+        <p:txBody>
+          <a:bodyPr wrap="none" rtlCol="0">
+            <a:noAutofit/>
+          </a:bodyPr>
+          <a:lstStyle/>
+          <a:p>
+            <a:pPr>
+              <a:lnSpc>
+                <a:spcPct val="90000"/>
+              </a:lnSpc>
+              <a:spcBef>
+                <a:spcPts val="600"/>
+              </a:spcBef>
+              <a:spcAft>
+                <a:spcPts val="0"/>
+              </a:spcAft>
+              <a:buClr>
+                <a:schemeClr val="bg1"/>
+              </a:buClr>
+            </a:pPr>
+            <a:r>
+              <a:rPr lang="en-US" sz="2000" smtClean="0">
+                <a:latin typeface="+mn-lt"/>
+              </a:rPr>
+              <a:t>Master is </a:t>
+            </a:r>
+            <a:endParaRPr lang="en-US" sz="2000" dirty="0" err="1" smtClean="0">
+              <a:latin typeface="+mn-lt"/>
+            </a:endParaRPr>
+          </a:p>
+        </p:txBody>
+      </p:sp>
+    </p:spTree>
+    <p:extLst>
+      <p:ext uri="{BB962C8B-B14F-4D97-AF65-F5344CB8AC3E}">
+        <p14:creationId xmlns:p14="http://schemas.microsoft.com/office/powerpoint/2010/main" val="1721234538"/>
       </p:ext>
     </p:extLst>
   </p:cSld>

--- a/Lectures/generalslides.pptx
+++ b/Lectures/generalslides.pptx
@@ -8,10 +8,10 @@
     <p:sldMasterId id="2147483924" r:id="rId7"/>
   </p:sldMasterIdLst>
   <p:notesMasterIdLst>
-    <p:notesMasterId r:id="rId17"/>
+    <p:notesMasterId r:id="rId21"/>
   </p:notesMasterIdLst>
   <p:handoutMasterIdLst>
-    <p:handoutMasterId r:id="rId18"/>
+    <p:handoutMasterId r:id="rId22"/>
   </p:handoutMasterIdLst>
   <p:sldIdLst>
     <p:sldId id="262" r:id="rId8"/>
@@ -23,6 +23,10 @@
     <p:sldId id="268" r:id="rId14"/>
     <p:sldId id="269" r:id="rId15"/>
     <p:sldId id="270" r:id="rId16"/>
+    <p:sldId id="271" r:id="rId17"/>
+    <p:sldId id="272" r:id="rId18"/>
+    <p:sldId id="273" r:id="rId19"/>
+    <p:sldId id="274" r:id="rId20"/>
   </p:sldIdLst>
   <p:sldSz cx="9144000" cy="5143500" type="screen16x9"/>
   <p:notesSz cx="7315200" cy="9601200"/>
@@ -165,6 +169,10 @@
             <p14:sldId id="268"/>
             <p14:sldId id="269"/>
             <p14:sldId id="270"/>
+            <p14:sldId id="271"/>
+            <p14:sldId id="272"/>
+            <p14:sldId id="273"/>
+            <p14:sldId id="274"/>
           </p14:sldIdLst>
         </p14:section>
         <p14:section name="Backup" id="{DEBBD39D-1CE4-B04E-B505-EBC9CF555587}">
@@ -9659,7 +9667,7 @@
                   <a:schemeClr val="bg1"/>
                 </a:buClr>
               </a:pPr>
-              <a:t>1/30/18</a:t>
+              <a:t>2/5/18</a:t>
             </a:fld>
             <a:endParaRPr lang="en-US" sz="800" dirty="0" smtClean="0">
               <a:solidFill>
@@ -10484,7 +10492,7 @@
                   <a:schemeClr val="bg1"/>
                 </a:buClr>
               </a:pPr>
-              <a:t>1/30/18</a:t>
+              <a:t>2/5/18</a:t>
             </a:fld>
             <a:endParaRPr lang="en-US" sz="800" dirty="0" smtClean="0">
               <a:solidFill>
@@ -11492,7 +11500,7 @@
                   <a:srgbClr val="0085C3"/>
                 </a:buClr>
               </a:pPr>
-              <a:t>1/30/18</a:t>
+              <a:t>2/5/18</a:t>
             </a:fld>
             <a:endParaRPr lang="en-US" sz="900" dirty="0" smtClean="0">
               <a:solidFill>
@@ -11566,7 +11574,7 @@
                   <a:srgbClr val="0085C3"/>
                 </a:buClr>
               </a:pPr>
-              <a:t>1/30/18</a:t>
+              <a:t>2/5/18</a:t>
             </a:fld>
             <a:endParaRPr lang="en-US" sz="900" dirty="0" smtClean="0">
               <a:solidFill>
@@ -12522,7 +12530,7 @@
                   <a:srgbClr val="0085C3"/>
                 </a:buClr>
               </a:pPr>
-              <a:t>1/30/18</a:t>
+              <a:t>2/5/18</a:t>
             </a:fld>
             <a:endParaRPr lang="en-US" sz="800" dirty="0" smtClean="0">
               <a:solidFill>
@@ -13479,6 +13487,976 @@
 </p:sld>
 </file>
 
+<file path=ppt/slides/slide10.xml><?xml version="1.0" encoding="utf-8"?>
+<p:sld xmlns:a="http://schemas.openxmlformats.org/drawingml/2006/main" xmlns:r="http://schemas.openxmlformats.org/officeDocument/2006/relationships" xmlns:p="http://schemas.openxmlformats.org/presentationml/2006/main">
+  <p:cSld>
+    <p:spTree>
+      <p:nvGrpSpPr>
+        <p:cNvPr id="1" name=""/>
+        <p:cNvGrpSpPr/>
+        <p:nvPr/>
+      </p:nvGrpSpPr>
+      <p:grpSpPr>
+        <a:xfrm>
+          <a:off x="0" y="0"/>
+          <a:ext cx="0" cy="0"/>
+          <a:chOff x="0" y="0"/>
+          <a:chExt cx="0" cy="0"/>
+        </a:xfrm>
+      </p:grpSpPr>
+      <p:pic>
+        <p:nvPicPr>
+          <p:cNvPr id="3" name="Picture 2"/>
+          <p:cNvPicPr>
+            <a:picLocks noChangeAspect="1"/>
+          </p:cNvPicPr>
+          <p:nvPr/>
+        </p:nvPicPr>
+        <p:blipFill>
+          <a:blip r:embed="rId2"/>
+          <a:stretch>
+            <a:fillRect/>
+          </a:stretch>
+        </p:blipFill>
+        <p:spPr>
+          <a:xfrm>
+            <a:off x="131734" y="341702"/>
+            <a:ext cx="4614813" cy="3616177"/>
+          </a:xfrm>
+          <a:prstGeom prst="rect">
+            <a:avLst/>
+          </a:prstGeom>
+        </p:spPr>
+      </p:pic>
+      <p:pic>
+        <p:nvPicPr>
+          <p:cNvPr id="4" name="Picture 3"/>
+          <p:cNvPicPr>
+            <a:picLocks noChangeAspect="1"/>
+          </p:cNvPicPr>
+          <p:nvPr/>
+        </p:nvPicPr>
+        <p:blipFill>
+          <a:blip r:embed="rId3"/>
+          <a:stretch>
+            <a:fillRect/>
+          </a:stretch>
+        </p:blipFill>
+        <p:spPr>
+          <a:xfrm>
+            <a:off x="4131881" y="426204"/>
+            <a:ext cx="4779644" cy="3617656"/>
+          </a:xfrm>
+          <a:prstGeom prst="rect">
+            <a:avLst/>
+          </a:prstGeom>
+        </p:spPr>
+      </p:pic>
+    </p:spTree>
+    <p:extLst>
+      <p:ext uri="{BB962C8B-B14F-4D97-AF65-F5344CB8AC3E}">
+        <p14:creationId xmlns:p14="http://schemas.microsoft.com/office/powerpoint/2010/main" val="1540313916"/>
+      </p:ext>
+    </p:extLst>
+  </p:cSld>
+  <p:clrMapOvr>
+    <a:masterClrMapping/>
+  </p:clrMapOvr>
+  <p:transition spd="med">
+    <p:wipe dir="r"/>
+  </p:transition>
+</p:sld>
+</file>
+
+<file path=ppt/slides/slide11.xml><?xml version="1.0" encoding="utf-8"?>
+<p:sld xmlns:a="http://schemas.openxmlformats.org/drawingml/2006/main" xmlns:r="http://schemas.openxmlformats.org/officeDocument/2006/relationships" xmlns:p="http://schemas.openxmlformats.org/presentationml/2006/main">
+  <p:cSld>
+    <p:spTree>
+      <p:nvGrpSpPr>
+        <p:cNvPr id="1" name=""/>
+        <p:cNvGrpSpPr/>
+        <p:nvPr/>
+      </p:nvGrpSpPr>
+      <p:grpSpPr>
+        <a:xfrm>
+          <a:off x="0" y="0"/>
+          <a:ext cx="0" cy="0"/>
+          <a:chOff x="0" y="0"/>
+          <a:chExt cx="0" cy="0"/>
+        </a:xfrm>
+      </p:grpSpPr>
+      <p:pic>
+        <p:nvPicPr>
+          <p:cNvPr id="2" name="Picture 1"/>
+          <p:cNvPicPr>
+            <a:picLocks noChangeAspect="1"/>
+          </p:cNvPicPr>
+          <p:nvPr/>
+        </p:nvPicPr>
+        <p:blipFill>
+          <a:blip r:embed="rId2"/>
+          <a:stretch>
+            <a:fillRect/>
+          </a:stretch>
+        </p:blipFill>
+        <p:spPr>
+          <a:xfrm>
+            <a:off x="390358" y="455962"/>
+            <a:ext cx="3672135" cy="4037201"/>
+          </a:xfrm>
+          <a:prstGeom prst="rect">
+            <a:avLst/>
+          </a:prstGeom>
+        </p:spPr>
+      </p:pic>
+      <p:sp>
+        <p:nvSpPr>
+          <p:cNvPr id="3" name="Rectangle 2"/>
+          <p:cNvSpPr/>
+          <p:nvPr/>
+        </p:nvSpPr>
+        <p:spPr>
+          <a:xfrm>
+            <a:off x="123986" y="240223"/>
+            <a:ext cx="4378272" cy="1968285"/>
+          </a:xfrm>
+          <a:prstGeom prst="rect">
+            <a:avLst/>
+          </a:prstGeom>
+          <a:noFill/>
+          <a:ln w="38100">
+            <a:solidFill>
+              <a:srgbClr val="0070C0"/>
+            </a:solidFill>
+          </a:ln>
+          <a:effectLst/>
+        </p:spPr>
+        <p:txBody>
+          <a:bodyPr wrap="square" lIns="182880" tIns="137160" rIns="137160" bIns="137160" rtlCol="0" anchor="ctr">
+            <a:noAutofit/>
+          </a:bodyPr>
+          <a:lstStyle/>
+          <a:p>
+            <a:pPr algn="ctr">
+              <a:lnSpc>
+                <a:spcPct val="90000"/>
+              </a:lnSpc>
+              <a:spcBef>
+                <a:spcPts val="600"/>
+              </a:spcBef>
+              <a:spcAft>
+                <a:spcPts val="0"/>
+              </a:spcAft>
+            </a:pPr>
+            <a:endParaRPr lang="en-US" sz="2000" dirty="0" smtClean="0">
+              <a:solidFill>
+                <a:schemeClr val="tx2"/>
+              </a:solidFill>
+              <a:latin typeface="+mn-lt"/>
+            </a:endParaRPr>
+          </a:p>
+        </p:txBody>
+      </p:sp>
+      <p:sp>
+        <p:nvSpPr>
+          <p:cNvPr id="4" name="Rectangle 3"/>
+          <p:cNvSpPr/>
+          <p:nvPr/>
+        </p:nvSpPr>
+        <p:spPr>
+          <a:xfrm>
+            <a:off x="123986" y="2474562"/>
+            <a:ext cx="4378272" cy="1968285"/>
+          </a:xfrm>
+          <a:prstGeom prst="rect">
+            <a:avLst/>
+          </a:prstGeom>
+          <a:noFill/>
+          <a:ln w="38100">
+            <a:solidFill>
+              <a:srgbClr val="FF0000"/>
+            </a:solidFill>
+          </a:ln>
+          <a:effectLst/>
+        </p:spPr>
+        <p:txBody>
+          <a:bodyPr wrap="square" lIns="182880" tIns="137160" rIns="137160" bIns="137160" rtlCol="0" anchor="ctr">
+            <a:noAutofit/>
+          </a:bodyPr>
+          <a:lstStyle/>
+          <a:p>
+            <a:pPr algn="ctr">
+              <a:lnSpc>
+                <a:spcPct val="90000"/>
+              </a:lnSpc>
+              <a:spcBef>
+                <a:spcPts val="600"/>
+              </a:spcBef>
+              <a:spcAft>
+                <a:spcPts val="0"/>
+              </a:spcAft>
+            </a:pPr>
+            <a:endParaRPr lang="en-US" sz="2000" dirty="0" smtClean="0">
+              <a:solidFill>
+                <a:schemeClr val="tx2"/>
+              </a:solidFill>
+              <a:latin typeface="+mn-lt"/>
+            </a:endParaRPr>
+          </a:p>
+        </p:txBody>
+      </p:sp>
+      <p:sp>
+        <p:nvSpPr>
+          <p:cNvPr id="6" name="Content Placeholder 5"/>
+          <p:cNvSpPr>
+            <a:spLocks noGrp="1"/>
+          </p:cNvSpPr>
+          <p:nvPr>
+            <p:ph sz="half" idx="1"/>
+          </p:nvPr>
+        </p:nvSpPr>
+        <p:spPr>
+          <a:xfrm>
+            <a:off x="4672738" y="92991"/>
+            <a:ext cx="4215539" cy="4400172"/>
+          </a:xfrm>
+        </p:spPr>
+        <p:txBody>
+          <a:bodyPr>
+            <a:normAutofit/>
+          </a:bodyPr>
+          <a:lstStyle/>
+          <a:p>
+            <a:pPr marL="0" indent="0">
+              <a:spcBef>
+                <a:spcPts val="0"/>
+              </a:spcBef>
+              <a:spcAft>
+                <a:spcPts val="300"/>
+              </a:spcAft>
+              <a:buNone/>
+            </a:pPr>
+            <a:r>
+              <a:rPr lang="en-US" sz="2000" dirty="0" smtClean="0"/>
+              <a:t>UML relationship types.</a:t>
+            </a:r>
+          </a:p>
+          <a:p>
+            <a:pPr marL="0" indent="0">
+              <a:spcBef>
+                <a:spcPts val="0"/>
+              </a:spcBef>
+              <a:spcAft>
+                <a:spcPts val="300"/>
+              </a:spcAft>
+              <a:buNone/>
+            </a:pPr>
+            <a:endParaRPr lang="en-US" sz="1600" dirty="0" smtClean="0"/>
+          </a:p>
+          <a:p>
+            <a:pPr>
+              <a:spcBef>
+                <a:spcPts val="0"/>
+              </a:spcBef>
+              <a:spcAft>
+                <a:spcPts val="300"/>
+              </a:spcAft>
+            </a:pPr>
+            <a:r>
+              <a:rPr lang="en-US" sz="1600" dirty="0" smtClean="0">
+                <a:solidFill>
+                  <a:srgbClr val="0070C0"/>
+                </a:solidFill>
+              </a:rPr>
+              <a:t>Relatively easy to model because the entity schema and data are linked only by foreign keys.</a:t>
+            </a:r>
+          </a:p>
+          <a:p>
+            <a:pPr lvl="1">
+              <a:spcBef>
+                <a:spcPts val="0"/>
+              </a:spcBef>
+              <a:spcAft>
+                <a:spcPts val="300"/>
+              </a:spcAft>
+            </a:pPr>
+            <a:r>
+              <a:rPr lang="en-US" sz="1400" dirty="0" smtClean="0">
+                <a:solidFill>
+                  <a:srgbClr val="0070C0"/>
+                </a:solidFill>
+              </a:rPr>
+              <a:t>A course section </a:t>
+            </a:r>
+            <a:r>
+              <a:rPr lang="en-US" sz="1400" i="1" dirty="0" smtClean="0">
+                <a:solidFill>
+                  <a:srgbClr val="0070C0"/>
+                </a:solidFill>
+              </a:rPr>
+              <a:t>uses</a:t>
+            </a:r>
+            <a:r>
+              <a:rPr lang="en-US" sz="1400" dirty="0" smtClean="0">
+                <a:solidFill>
+                  <a:srgbClr val="0070C0"/>
+                </a:solidFill>
+              </a:rPr>
+              <a:t> a classroom.</a:t>
+            </a:r>
+          </a:p>
+          <a:p>
+            <a:pPr lvl="1">
+              <a:spcBef>
+                <a:spcPts val="0"/>
+              </a:spcBef>
+              <a:spcAft>
+                <a:spcPts val="300"/>
+              </a:spcAft>
+            </a:pPr>
+            <a:r>
+              <a:rPr lang="en-US" sz="1400" dirty="0" smtClean="0">
+                <a:solidFill>
+                  <a:srgbClr val="0070C0"/>
+                </a:solidFill>
+              </a:rPr>
+              <a:t>A course section </a:t>
+            </a:r>
+            <a:r>
+              <a:rPr lang="en-US" sz="1400" i="1" dirty="0" smtClean="0">
+                <a:solidFill>
+                  <a:srgbClr val="0070C0"/>
+                </a:solidFill>
+              </a:rPr>
+              <a:t>has a </a:t>
+            </a:r>
+            <a:r>
+              <a:rPr lang="en-US" sz="1400" dirty="0" smtClean="0">
+                <a:solidFill>
+                  <a:srgbClr val="0070C0"/>
+                </a:solidFill>
+              </a:rPr>
+              <a:t>student.</a:t>
+            </a:r>
+          </a:p>
+          <a:p>
+            <a:pPr lvl="1">
+              <a:spcBef>
+                <a:spcPts val="0"/>
+              </a:spcBef>
+              <a:spcAft>
+                <a:spcPts val="300"/>
+              </a:spcAft>
+            </a:pPr>
+            <a:r>
+              <a:rPr lang="en-US" sz="1400" dirty="0" smtClean="0">
+                <a:solidFill>
+                  <a:srgbClr val="0070C0"/>
+                </a:solidFill>
+              </a:rPr>
+              <a:t>A student’s </a:t>
+            </a:r>
+            <a:r>
+              <a:rPr lang="en-US" sz="1400" i="1" dirty="0" smtClean="0">
+                <a:solidFill>
+                  <a:srgbClr val="0070C0"/>
+                </a:solidFill>
+              </a:rPr>
+              <a:t>calendar</a:t>
+            </a:r>
+            <a:r>
+              <a:rPr lang="en-US" sz="1400" dirty="0" smtClean="0">
+                <a:solidFill>
+                  <a:srgbClr val="0070C0"/>
+                </a:solidFill>
+              </a:rPr>
+              <a:t> owns appointments.</a:t>
+            </a:r>
+          </a:p>
+          <a:p>
+            <a:pPr lvl="1">
+              <a:spcBef>
+                <a:spcPts val="0"/>
+              </a:spcBef>
+              <a:spcAft>
+                <a:spcPts val="300"/>
+              </a:spcAft>
+            </a:pPr>
+            <a:endParaRPr lang="en-US" sz="1400" dirty="0"/>
+          </a:p>
+          <a:p>
+            <a:pPr>
+              <a:spcBef>
+                <a:spcPts val="0"/>
+              </a:spcBef>
+              <a:spcAft>
+                <a:spcPts val="300"/>
+              </a:spcAft>
+            </a:pPr>
+            <a:r>
+              <a:rPr lang="en-US" sz="1600" dirty="0" smtClean="0">
+                <a:solidFill>
+                  <a:srgbClr val="FF0000"/>
+                </a:solidFill>
+              </a:rPr>
+              <a:t>More complex to model because the entity schema and instance data are deeply related.</a:t>
+            </a:r>
+          </a:p>
+          <a:p>
+            <a:pPr lvl="1">
+              <a:spcBef>
+                <a:spcPts val="0"/>
+              </a:spcBef>
+              <a:spcAft>
+                <a:spcPts val="300"/>
+              </a:spcAft>
+            </a:pPr>
+            <a:r>
+              <a:rPr lang="en-US" sz="1400" dirty="0" smtClean="0">
+                <a:solidFill>
+                  <a:srgbClr val="FF0000"/>
+                </a:solidFill>
+              </a:rPr>
+              <a:t>A student </a:t>
+            </a:r>
+            <a:r>
+              <a:rPr lang="en-US" sz="1400" i="1" dirty="0" smtClean="0">
+                <a:solidFill>
+                  <a:srgbClr val="FF0000"/>
+                </a:solidFill>
+              </a:rPr>
+              <a:t>is a</a:t>
+            </a:r>
+            <a:r>
+              <a:rPr lang="en-US" sz="1400" dirty="0" smtClean="0">
+                <a:solidFill>
+                  <a:srgbClr val="FF0000"/>
+                </a:solidFill>
+              </a:rPr>
+              <a:t> person.</a:t>
+            </a:r>
+          </a:p>
+          <a:p>
+            <a:pPr lvl="1">
+              <a:spcBef>
+                <a:spcPts val="0"/>
+              </a:spcBef>
+              <a:spcAft>
+                <a:spcPts val="300"/>
+              </a:spcAft>
+            </a:pPr>
+            <a:r>
+              <a:rPr lang="en-US" sz="1400" dirty="0" smtClean="0">
+                <a:solidFill>
+                  <a:srgbClr val="FF0000"/>
+                </a:solidFill>
+              </a:rPr>
+              <a:t>A professor </a:t>
+            </a:r>
+            <a:r>
+              <a:rPr lang="en-US" sz="1400" i="1" dirty="0" smtClean="0">
+                <a:solidFill>
+                  <a:srgbClr val="FF0000"/>
+                </a:solidFill>
+              </a:rPr>
+              <a:t>realizes</a:t>
+            </a:r>
+            <a:r>
+              <a:rPr lang="en-US" sz="1400" dirty="0" smtClean="0">
+                <a:solidFill>
+                  <a:srgbClr val="FF0000"/>
+                </a:solidFill>
+              </a:rPr>
+              <a:t> course instructor</a:t>
+            </a:r>
+            <a:endParaRPr lang="en-US" sz="1400" dirty="0">
+              <a:solidFill>
+                <a:srgbClr val="FF0000"/>
+              </a:solidFill>
+            </a:endParaRPr>
+          </a:p>
+        </p:txBody>
+      </p:sp>
+    </p:spTree>
+    <p:extLst>
+      <p:ext uri="{BB962C8B-B14F-4D97-AF65-F5344CB8AC3E}">
+        <p14:creationId xmlns:p14="http://schemas.microsoft.com/office/powerpoint/2010/main" val="1996985075"/>
+      </p:ext>
+    </p:extLst>
+  </p:cSld>
+  <p:clrMapOvr>
+    <a:masterClrMapping/>
+  </p:clrMapOvr>
+  <p:transition spd="med">
+    <p:wipe dir="r"/>
+  </p:transition>
+</p:sld>
+</file>
+
+<file path=ppt/slides/slide12.xml><?xml version="1.0" encoding="utf-8"?>
+<p:sld xmlns:a="http://schemas.openxmlformats.org/drawingml/2006/main" xmlns:r="http://schemas.openxmlformats.org/officeDocument/2006/relationships" xmlns:p="http://schemas.openxmlformats.org/presentationml/2006/main">
+  <p:cSld>
+    <p:spTree>
+      <p:nvGrpSpPr>
+        <p:cNvPr id="1" name=""/>
+        <p:cNvGrpSpPr/>
+        <p:nvPr/>
+      </p:nvGrpSpPr>
+      <p:grpSpPr>
+        <a:xfrm>
+          <a:off x="0" y="0"/>
+          <a:ext cx="0" cy="0"/>
+          <a:chOff x="0" y="0"/>
+          <a:chExt cx="0" cy="0"/>
+        </a:xfrm>
+      </p:grpSpPr>
+      <p:pic>
+        <p:nvPicPr>
+          <p:cNvPr id="2" name="Picture 1"/>
+          <p:cNvPicPr>
+            <a:picLocks noChangeAspect="1"/>
+          </p:cNvPicPr>
+          <p:nvPr/>
+        </p:nvPicPr>
+        <p:blipFill>
+          <a:blip r:embed="rId2"/>
+          <a:stretch>
+            <a:fillRect/>
+          </a:stretch>
+        </p:blipFill>
+        <p:spPr>
+          <a:xfrm>
+            <a:off x="705171" y="326204"/>
+            <a:ext cx="5339168" cy="4183783"/>
+          </a:xfrm>
+          <a:prstGeom prst="rect">
+            <a:avLst/>
+          </a:prstGeom>
+        </p:spPr>
+      </p:pic>
+      <p:sp>
+        <p:nvSpPr>
+          <p:cNvPr id="3" name="Rectangle 2"/>
+          <p:cNvSpPr/>
+          <p:nvPr/>
+        </p:nvSpPr>
+        <p:spPr>
+          <a:xfrm>
+            <a:off x="2278251" y="326204"/>
+            <a:ext cx="2882685" cy="882664"/>
+          </a:xfrm>
+          <a:prstGeom prst="rect">
+            <a:avLst/>
+          </a:prstGeom>
+          <a:noFill/>
+          <a:ln w="38100">
+            <a:solidFill>
+              <a:srgbClr val="FF0000"/>
+            </a:solidFill>
+          </a:ln>
+          <a:effectLst/>
+        </p:spPr>
+        <p:txBody>
+          <a:bodyPr wrap="square" lIns="182880" tIns="137160" rIns="137160" bIns="137160" rtlCol="0" anchor="ctr">
+            <a:noAutofit/>
+          </a:bodyPr>
+          <a:lstStyle/>
+          <a:p>
+            <a:pPr algn="ctr">
+              <a:lnSpc>
+                <a:spcPct val="90000"/>
+              </a:lnSpc>
+              <a:spcBef>
+                <a:spcPts val="600"/>
+              </a:spcBef>
+              <a:spcAft>
+                <a:spcPts val="0"/>
+              </a:spcAft>
+            </a:pPr>
+            <a:endParaRPr lang="en-US" sz="2000" dirty="0" smtClean="0">
+              <a:solidFill>
+                <a:schemeClr val="tx2"/>
+              </a:solidFill>
+              <a:latin typeface="+mn-lt"/>
+            </a:endParaRPr>
+          </a:p>
+        </p:txBody>
+      </p:sp>
+    </p:spTree>
+    <p:extLst>
+      <p:ext uri="{BB962C8B-B14F-4D97-AF65-F5344CB8AC3E}">
+        <p14:creationId xmlns:p14="http://schemas.microsoft.com/office/powerpoint/2010/main" val="1611461820"/>
+      </p:ext>
+    </p:extLst>
+  </p:cSld>
+  <p:clrMapOvr>
+    <a:masterClrMapping/>
+  </p:clrMapOvr>
+  <p:transition spd="med">
+    <p:wipe dir="r"/>
+  </p:transition>
+</p:sld>
+</file>
+
+<file path=ppt/slides/slide13.xml><?xml version="1.0" encoding="utf-8"?>
+<p:sld xmlns:a="http://schemas.openxmlformats.org/drawingml/2006/main" xmlns:r="http://schemas.openxmlformats.org/officeDocument/2006/relationships" xmlns:p="http://schemas.openxmlformats.org/presentationml/2006/main">
+  <p:cSld>
+    <p:spTree>
+      <p:nvGrpSpPr>
+        <p:cNvPr id="1" name=""/>
+        <p:cNvGrpSpPr/>
+        <p:nvPr/>
+      </p:nvGrpSpPr>
+      <p:grpSpPr>
+        <a:xfrm>
+          <a:off x="0" y="0"/>
+          <a:ext cx="0" cy="0"/>
+          <a:chOff x="0" y="0"/>
+          <a:chExt cx="0" cy="0"/>
+        </a:xfrm>
+      </p:grpSpPr>
+      <p:pic>
+        <p:nvPicPr>
+          <p:cNvPr id="2" name="Picture 1"/>
+          <p:cNvPicPr>
+            <a:picLocks noChangeAspect="1"/>
+          </p:cNvPicPr>
+          <p:nvPr/>
+        </p:nvPicPr>
+        <p:blipFill>
+          <a:blip r:embed="rId2"/>
+          <a:stretch>
+            <a:fillRect/>
+          </a:stretch>
+        </p:blipFill>
+        <p:spPr>
+          <a:xfrm>
+            <a:off x="411692" y="201477"/>
+            <a:ext cx="6457392" cy="4360836"/>
+          </a:xfrm>
+          <a:prstGeom prst="rect">
+            <a:avLst/>
+          </a:prstGeom>
+        </p:spPr>
+      </p:pic>
+      <p:sp>
+        <p:nvSpPr>
+          <p:cNvPr id="3" name="Rectangle 2"/>
+          <p:cNvSpPr/>
+          <p:nvPr/>
+        </p:nvSpPr>
+        <p:spPr>
+          <a:xfrm>
+            <a:off x="2774197" y="326204"/>
+            <a:ext cx="1356101" cy="766427"/>
+          </a:xfrm>
+          <a:prstGeom prst="rect">
+            <a:avLst/>
+          </a:prstGeom>
+          <a:noFill/>
+          <a:ln w="38100">
+            <a:solidFill>
+              <a:srgbClr val="FF0000"/>
+            </a:solidFill>
+          </a:ln>
+          <a:effectLst/>
+        </p:spPr>
+        <p:txBody>
+          <a:bodyPr wrap="square" lIns="182880" tIns="137160" rIns="137160" bIns="137160" rtlCol="0" anchor="ctr">
+            <a:noAutofit/>
+          </a:bodyPr>
+          <a:lstStyle/>
+          <a:p>
+            <a:pPr algn="ctr">
+              <a:lnSpc>
+                <a:spcPct val="90000"/>
+              </a:lnSpc>
+              <a:spcBef>
+                <a:spcPts val="600"/>
+              </a:spcBef>
+              <a:spcAft>
+                <a:spcPts val="0"/>
+              </a:spcAft>
+            </a:pPr>
+            <a:endParaRPr lang="en-US" sz="2000" dirty="0" smtClean="0">
+              <a:solidFill>
+                <a:schemeClr val="tx2"/>
+              </a:solidFill>
+              <a:latin typeface="+mn-lt"/>
+            </a:endParaRPr>
+          </a:p>
+        </p:txBody>
+      </p:sp>
+      <p:sp>
+        <p:nvSpPr>
+          <p:cNvPr id="4" name="Rectangle 3"/>
+          <p:cNvSpPr/>
+          <p:nvPr/>
+        </p:nvSpPr>
+        <p:spPr>
+          <a:xfrm>
+            <a:off x="5814753" y="573437"/>
+            <a:ext cx="1112990" cy="596685"/>
+          </a:xfrm>
+          <a:prstGeom prst="rect">
+            <a:avLst/>
+          </a:prstGeom>
+          <a:noFill/>
+          <a:ln w="38100">
+            <a:solidFill>
+              <a:srgbClr val="FF0000"/>
+            </a:solidFill>
+          </a:ln>
+          <a:effectLst/>
+        </p:spPr>
+        <p:txBody>
+          <a:bodyPr wrap="square" lIns="182880" tIns="137160" rIns="137160" bIns="137160" rtlCol="0" anchor="ctr">
+            <a:noAutofit/>
+          </a:bodyPr>
+          <a:lstStyle/>
+          <a:p>
+            <a:pPr algn="ctr">
+              <a:lnSpc>
+                <a:spcPct val="90000"/>
+              </a:lnSpc>
+              <a:spcBef>
+                <a:spcPts val="600"/>
+              </a:spcBef>
+              <a:spcAft>
+                <a:spcPts val="0"/>
+              </a:spcAft>
+            </a:pPr>
+            <a:endParaRPr lang="en-US" sz="2000" dirty="0" smtClean="0">
+              <a:solidFill>
+                <a:schemeClr val="tx2"/>
+              </a:solidFill>
+              <a:latin typeface="+mn-lt"/>
+            </a:endParaRPr>
+          </a:p>
+        </p:txBody>
+      </p:sp>
+      <p:sp>
+        <p:nvSpPr>
+          <p:cNvPr id="5" name="Rectangle 4"/>
+          <p:cNvSpPr/>
+          <p:nvPr/>
+        </p:nvSpPr>
+        <p:spPr>
+          <a:xfrm>
+            <a:off x="1678985" y="3727342"/>
+            <a:ext cx="1195952" cy="697424"/>
+          </a:xfrm>
+          <a:prstGeom prst="rect">
+            <a:avLst/>
+          </a:prstGeom>
+          <a:noFill/>
+          <a:ln w="38100">
+            <a:solidFill>
+              <a:srgbClr val="0070C0"/>
+            </a:solidFill>
+          </a:ln>
+          <a:effectLst/>
+        </p:spPr>
+        <p:txBody>
+          <a:bodyPr wrap="square" lIns="182880" tIns="137160" rIns="137160" bIns="137160" rtlCol="0" anchor="ctr">
+            <a:noAutofit/>
+          </a:bodyPr>
+          <a:lstStyle/>
+          <a:p>
+            <a:pPr algn="ctr">
+              <a:lnSpc>
+                <a:spcPct val="90000"/>
+              </a:lnSpc>
+              <a:spcBef>
+                <a:spcPts val="600"/>
+              </a:spcBef>
+              <a:spcAft>
+                <a:spcPts val="0"/>
+              </a:spcAft>
+            </a:pPr>
+            <a:endParaRPr lang="en-US" sz="2000" dirty="0" smtClean="0">
+              <a:solidFill>
+                <a:schemeClr val="tx2"/>
+              </a:solidFill>
+              <a:latin typeface="+mn-lt"/>
+            </a:endParaRPr>
+          </a:p>
+        </p:txBody>
+      </p:sp>
+      <p:sp>
+        <p:nvSpPr>
+          <p:cNvPr id="6" name="TextBox 5"/>
+          <p:cNvSpPr txBox="1"/>
+          <p:nvPr/>
+        </p:nvSpPr>
+        <p:spPr>
+          <a:xfrm>
+            <a:off x="5873858" y="1402597"/>
+            <a:ext cx="914400" cy="914400"/>
+          </a:xfrm>
+          <a:prstGeom prst="rect">
+            <a:avLst/>
+          </a:prstGeom>
+          <a:noFill/>
+        </p:spPr>
+        <p:txBody>
+          <a:bodyPr wrap="none" rtlCol="0">
+            <a:noAutofit/>
+          </a:bodyPr>
+          <a:lstStyle/>
+          <a:p>
+            <a:pPr>
+              <a:lnSpc>
+                <a:spcPct val="90000"/>
+              </a:lnSpc>
+              <a:spcBef>
+                <a:spcPts val="600"/>
+              </a:spcBef>
+              <a:spcAft>
+                <a:spcPts val="0"/>
+              </a:spcAft>
+              <a:buClr>
+                <a:schemeClr val="bg1"/>
+              </a:buClr>
+            </a:pPr>
+            <a:r>
+              <a:rPr lang="en-US" sz="1600" dirty="0" smtClean="0">
+                <a:solidFill>
+                  <a:srgbClr val="FF0000"/>
+                </a:solidFill>
+                <a:latin typeface="+mn-lt"/>
+              </a:rPr>
+              <a:t>Associative</a:t>
+            </a:r>
+          </a:p>
+          <a:p>
+            <a:pPr>
+              <a:lnSpc>
+                <a:spcPct val="90000"/>
+              </a:lnSpc>
+              <a:spcBef>
+                <a:spcPts val="600"/>
+              </a:spcBef>
+              <a:spcAft>
+                <a:spcPts val="0"/>
+              </a:spcAft>
+              <a:buClr>
+                <a:schemeClr val="bg1"/>
+              </a:buClr>
+            </a:pPr>
+            <a:r>
+              <a:rPr lang="en-US" sz="1600" dirty="0" smtClean="0">
+                <a:solidFill>
+                  <a:srgbClr val="FF0000"/>
+                </a:solidFill>
+                <a:latin typeface="+mn-lt"/>
+              </a:rPr>
+              <a:t>Entity</a:t>
+            </a:r>
+            <a:endParaRPr lang="en-US" sz="1600" dirty="0" smtClean="0">
+              <a:solidFill>
+                <a:srgbClr val="FF0000"/>
+              </a:solidFill>
+              <a:latin typeface="+mn-lt"/>
+            </a:endParaRPr>
+          </a:p>
+        </p:txBody>
+      </p:sp>
+      <p:sp>
+        <p:nvSpPr>
+          <p:cNvPr id="7" name="TextBox 6"/>
+          <p:cNvSpPr txBox="1"/>
+          <p:nvPr/>
+        </p:nvSpPr>
+        <p:spPr>
+          <a:xfrm>
+            <a:off x="3050583" y="3727342"/>
+            <a:ext cx="914400" cy="914400"/>
+          </a:xfrm>
+          <a:prstGeom prst="rect">
+            <a:avLst/>
+          </a:prstGeom>
+          <a:noFill/>
+        </p:spPr>
+        <p:txBody>
+          <a:bodyPr wrap="none" rtlCol="0">
+            <a:noAutofit/>
+          </a:bodyPr>
+          <a:lstStyle/>
+          <a:p>
+            <a:pPr>
+              <a:lnSpc>
+                <a:spcPct val="90000"/>
+              </a:lnSpc>
+              <a:spcBef>
+                <a:spcPts val="600"/>
+              </a:spcBef>
+              <a:spcAft>
+                <a:spcPts val="0"/>
+              </a:spcAft>
+              <a:buClr>
+                <a:schemeClr val="bg1"/>
+              </a:buClr>
+            </a:pPr>
+            <a:r>
+              <a:rPr lang="en-US" sz="1600" dirty="0" smtClean="0">
+                <a:solidFill>
+                  <a:srgbClr val="0070C0"/>
+                </a:solidFill>
+                <a:latin typeface="+mn-lt"/>
+              </a:rPr>
+              <a:t>Weak</a:t>
+            </a:r>
+          </a:p>
+          <a:p>
+            <a:pPr>
+              <a:lnSpc>
+                <a:spcPct val="90000"/>
+              </a:lnSpc>
+              <a:spcBef>
+                <a:spcPts val="600"/>
+              </a:spcBef>
+              <a:spcAft>
+                <a:spcPts val="0"/>
+              </a:spcAft>
+              <a:buClr>
+                <a:schemeClr val="bg1"/>
+              </a:buClr>
+            </a:pPr>
+            <a:r>
+              <a:rPr lang="en-US" sz="1600" dirty="0" smtClean="0">
+                <a:solidFill>
+                  <a:srgbClr val="0070C0"/>
+                </a:solidFill>
+                <a:latin typeface="+mn-lt"/>
+              </a:rPr>
+              <a:t>Entity</a:t>
+            </a:r>
+            <a:endParaRPr lang="en-US" sz="1600" dirty="0" smtClean="0">
+              <a:solidFill>
+                <a:srgbClr val="0070C0"/>
+              </a:solidFill>
+              <a:latin typeface="+mn-lt"/>
+            </a:endParaRPr>
+          </a:p>
+        </p:txBody>
+      </p:sp>
+    </p:spTree>
+    <p:extLst>
+      <p:ext uri="{BB962C8B-B14F-4D97-AF65-F5344CB8AC3E}">
+        <p14:creationId xmlns:p14="http://schemas.microsoft.com/office/powerpoint/2010/main" val="993133863"/>
+      </p:ext>
+    </p:extLst>
+  </p:cSld>
+  <p:clrMapOvr>
+    <a:masterClrMapping/>
+  </p:clrMapOvr>
+  <p:transition spd="med">
+    <p:wipe dir="r"/>
+  </p:transition>
+</p:sld>
+</file>
+
 <file path=ppt/slides/slide2.xml><?xml version="1.0" encoding="utf-8"?>
 <p:sld xmlns:a="http://schemas.openxmlformats.org/drawingml/2006/main" xmlns:r="http://schemas.openxmlformats.org/officeDocument/2006/relationships" xmlns:p="http://schemas.openxmlformats.org/presentationml/2006/main">
   <p:cSld>
@@ -14899,12 +15877,6 @@
               </a:rPr>
               <a:t>Alter table.</a:t>
             </a:r>
-            <a:endParaRPr lang="en-US" sz="1400" dirty="0" smtClean="0">
-              <a:solidFill>
-                <a:schemeClr val="tx2"/>
-              </a:solidFill>
-              <a:latin typeface="+mn-lt"/>
-            </a:endParaRPr>
           </a:p>
         </p:txBody>
       </p:sp>
@@ -15025,12 +15997,6 @@
               </a:rPr>
               <a:t>Column constraints</a:t>
             </a:r>
-            <a:endParaRPr lang="en-US" sz="1400" dirty="0" smtClean="0">
-              <a:solidFill>
-                <a:schemeClr val="tx2"/>
-              </a:solidFill>
-              <a:latin typeface="+mn-lt"/>
-            </a:endParaRPr>
           </a:p>
         </p:txBody>
       </p:sp>
